--- a/Margdarshak_Presentation.pptx
+++ b/Margdarshak_Presentation.pptx
@@ -5,23 +5,22 @@
     <p:sldMasterId id="2147483648" r:id="rId1"/>
   </p:sldMasterIdLst>
   <p:notesMasterIdLst>
-    <p:notesMasterId r:id="rId16"/>
+    <p:notesMasterId r:id="rId15"/>
   </p:notesMasterIdLst>
   <p:sldIdLst>
     <p:sldId id="256" r:id="rId2"/>
     <p:sldId id="261" r:id="rId3"/>
-    <p:sldId id="262" r:id="rId4"/>
-    <p:sldId id="263" r:id="rId5"/>
-    <p:sldId id="265" r:id="rId6"/>
-    <p:sldId id="267" r:id="rId7"/>
-    <p:sldId id="268" r:id="rId8"/>
-    <p:sldId id="269" r:id="rId9"/>
-    <p:sldId id="270" r:id="rId10"/>
-    <p:sldId id="271" r:id="rId11"/>
-    <p:sldId id="272" r:id="rId12"/>
-    <p:sldId id="273" r:id="rId13"/>
-    <p:sldId id="274" r:id="rId14"/>
-    <p:sldId id="275" r:id="rId15"/>
+    <p:sldId id="263" r:id="rId4"/>
+    <p:sldId id="265" r:id="rId5"/>
+    <p:sldId id="267" r:id="rId6"/>
+    <p:sldId id="268" r:id="rId7"/>
+    <p:sldId id="269" r:id="rId8"/>
+    <p:sldId id="270" r:id="rId9"/>
+    <p:sldId id="271" r:id="rId10"/>
+    <p:sldId id="272" r:id="rId11"/>
+    <p:sldId id="273" r:id="rId12"/>
+    <p:sldId id="274" r:id="rId13"/>
+    <p:sldId id="275" r:id="rId14"/>
   </p:sldIdLst>
   <p:sldSz cx="9144000" cy="5143500" type="screen16x9"/>
   <p:notesSz cx="6858000" cy="9144000"/>
@@ -221,7 +220,7 @@
           <a:p>
             <a:fld id="{C8D18E60-4300-4729-A0D7-6AB984C3922D}" type="datetimeFigureOut">
               <a:rPr lang="en-US" smtClean="0"/>
-              <a:t>10/31/2020</a:t>
+              <a:t>11/1/2020</a:t>
             </a:fld>
             <a:endParaRPr lang="en-US"/>
           </a:p>
@@ -707,7 +706,7 @@
             <a:fld id="{53074F12-AA26-4AC8-9962-C36BB8F32554}" type="datetimeFigureOut">
               <a:rPr lang="en-US" smtClean="0"/>
               <a:pPr/>
-              <a:t>10/31/2020</a:t>
+              <a:t>11/1/2020</a:t>
             </a:fld>
             <a:endParaRPr lang="en-US"/>
           </a:p>
@@ -961,7 +960,7 @@
             <a:fld id="{53074F12-AA26-4AC8-9962-C36BB8F32554}" type="datetimeFigureOut">
               <a:rPr lang="en-US" smtClean="0"/>
               <a:pPr/>
-              <a:t>10/31/2020</a:t>
+              <a:t>11/1/2020</a:t>
             </a:fld>
             <a:endParaRPr lang="en-US"/>
           </a:p>
@@ -1131,7 +1130,7 @@
             <a:fld id="{53074F12-AA26-4AC8-9962-C36BB8F32554}" type="datetimeFigureOut">
               <a:rPr lang="en-US" smtClean="0"/>
               <a:pPr/>
-              <a:t>10/31/2020</a:t>
+              <a:t>11/1/2020</a:t>
             </a:fld>
             <a:endParaRPr lang="en-US"/>
           </a:p>
@@ -1311,7 +1310,7 @@
             <a:fld id="{53074F12-AA26-4AC8-9962-C36BB8F32554}" type="datetimeFigureOut">
               <a:rPr lang="en-US" smtClean="0"/>
               <a:pPr/>
-              <a:t>10/31/2020</a:t>
+              <a:t>11/1/2020</a:t>
             </a:fld>
             <a:endParaRPr lang="en-US"/>
           </a:p>
@@ -1593,7 +1592,7 @@
             <a:fld id="{53074F12-AA26-4AC8-9962-C36BB8F32554}" type="datetimeFigureOut">
               <a:rPr lang="en-US" smtClean="0"/>
               <a:pPr/>
-              <a:t>10/31/2020</a:t>
+              <a:t>11/1/2020</a:t>
             </a:fld>
             <a:endParaRPr lang="en-US"/>
           </a:p>
@@ -1840,7 +1839,7 @@
             <a:fld id="{53074F12-AA26-4AC8-9962-C36BB8F32554}" type="datetimeFigureOut">
               <a:rPr lang="en-US" smtClean="0"/>
               <a:pPr/>
-              <a:t>10/31/2020</a:t>
+              <a:t>11/1/2020</a:t>
             </a:fld>
             <a:endParaRPr lang="en-US"/>
           </a:p>
@@ -2087,7 +2086,7 @@
             <a:fld id="{53074F12-AA26-4AC8-9962-C36BB8F32554}" type="datetimeFigureOut">
               <a:rPr lang="en-US" smtClean="0"/>
               <a:pPr/>
-              <a:t>10/31/2020</a:t>
+              <a:t>11/1/2020</a:t>
             </a:fld>
             <a:endParaRPr lang="en-US"/>
           </a:p>
@@ -2374,7 +2373,7 @@
             <a:fld id="{53074F12-AA26-4AC8-9962-C36BB8F32554}" type="datetimeFigureOut">
               <a:rPr lang="en-US" smtClean="0"/>
               <a:pPr/>
-              <a:t>10/31/2020</a:t>
+              <a:t>11/1/2020</a:t>
             </a:fld>
             <a:endParaRPr lang="en-US"/>
           </a:p>
@@ -2861,7 +2860,7 @@
             <a:fld id="{53074F12-AA26-4AC8-9962-C36BB8F32554}" type="datetimeFigureOut">
               <a:rPr lang="en-US" smtClean="0"/>
               <a:pPr/>
-              <a:t>10/31/2020</a:t>
+              <a:t>11/1/2020</a:t>
             </a:fld>
             <a:endParaRPr lang="en-US"/>
           </a:p>
@@ -2980,7 +2979,7 @@
             <a:fld id="{53074F12-AA26-4AC8-9962-C36BB8F32554}" type="datetimeFigureOut">
               <a:rPr lang="en-US" smtClean="0"/>
               <a:pPr/>
-              <a:t>10/31/2020</a:t>
+              <a:t>11/1/2020</a:t>
             </a:fld>
             <a:endParaRPr lang="en-US"/>
           </a:p>
@@ -3077,7 +3076,7 @@
             <a:fld id="{53074F12-AA26-4AC8-9962-C36BB8F32554}" type="datetimeFigureOut">
               <a:rPr lang="en-US" smtClean="0"/>
               <a:pPr/>
-              <a:t>10/31/2020</a:t>
+              <a:t>11/1/2020</a:t>
             </a:fld>
             <a:endParaRPr lang="en-US"/>
           </a:p>
@@ -3354,7 +3353,7 @@
             <a:fld id="{53074F12-AA26-4AC8-9962-C36BB8F32554}" type="datetimeFigureOut">
               <a:rPr lang="en-US" smtClean="0"/>
               <a:pPr/>
-              <a:t>10/31/2020</a:t>
+              <a:t>11/1/2020</a:t>
             </a:fld>
             <a:endParaRPr lang="en-US"/>
           </a:p>
@@ -3576,7 +3575,7 @@
             <a:fld id="{53074F12-AA26-4AC8-9962-C36BB8F32554}" type="datetimeFigureOut">
               <a:rPr lang="en-US" smtClean="0"/>
               <a:pPr/>
-              <a:t>10/31/2020</a:t>
+              <a:t>11/1/2020</a:t>
             </a:fld>
             <a:endParaRPr lang="en-US"/>
           </a:p>
@@ -4018,7 +4017,7 @@
         </p:nvSpPr>
         <p:spPr>
           <a:xfrm>
-            <a:off x="2892245" y="2724455"/>
+            <a:off x="2892245" y="2266340"/>
             <a:ext cx="5650085" cy="1527050"/>
           </a:xfrm>
         </p:spPr>
@@ -4028,7 +4027,7 @@
           </a:bodyPr>
           <a:lstStyle/>
           <a:p>
-            <a:pPr algn="l"/>
+            <a:pPr algn="ctr"/>
             <a:r>
               <a:rPr lang="en-US" dirty="0">
                 <a:solidFill>
@@ -4053,7 +4052,7 @@
               <a:t>(</a:t>
             </a:r>
             <a:r>
-              <a:rPr lang="en-IN" dirty="0" err="1">
+              <a:rPr lang="en-IN" dirty="0">
                 <a:solidFill>
                   <a:srgbClr val="7030A0"/>
                 </a:solidFill>
@@ -4106,6 +4105,72 @@
           </a:prstGeom>
         </p:spPr>
       </p:pic>
+      <p:sp>
+        <p:nvSpPr>
+          <p:cNvPr id="3" name="Title 3">
+            <a:extLst>
+              <a:ext uri="{FF2B5EF4-FFF2-40B4-BE49-F238E27FC236}">
+                <a16:creationId xmlns:a16="http://schemas.microsoft.com/office/drawing/2014/main" id="{6C84F3AF-B767-4855-BABD-E4774518E4B5}"/>
+              </a:ext>
+            </a:extLst>
+          </p:cNvPr>
+          <p:cNvSpPr txBox="1">
+            <a:spLocks/>
+          </p:cNvSpPr>
+          <p:nvPr/>
+        </p:nvSpPr>
+        <p:spPr>
+          <a:xfrm>
+            <a:off x="1290173" y="4334328"/>
+            <a:ext cx="7787955" cy="725349"/>
+          </a:xfrm>
+          <a:prstGeom prst="rect">
+            <a:avLst/>
+          </a:prstGeom>
+        </p:spPr>
+        <p:txBody>
+          <a:bodyPr vert="horz" lIns="91440" tIns="45720" rIns="91440" bIns="45720" rtlCol="0" anchor="ctr">
+            <a:normAutofit fontScale="90000"/>
+          </a:bodyPr>
+          <a:lstStyle>
+            <a:lvl1pPr algn="l" defTabSz="914400" rtl="0" eaLnBrk="1" latinLnBrk="0" hangingPunct="1">
+              <a:spcBef>
+                <a:spcPct val="0"/>
+              </a:spcBef>
+              <a:buNone/>
+              <a:defRPr sz="3600" kern="1200">
+                <a:solidFill>
+                  <a:srgbClr val="7030A0"/>
+                </a:solidFill>
+                <a:effectLst>
+                  <a:outerShdw blurRad="50800" dist="38100" dir="2700000" algn="tl" rotWithShape="0">
+                    <a:prstClr val="black">
+                      <a:alpha val="40000"/>
+                    </a:prstClr>
+                  </a:outerShdw>
+                </a:effectLst>
+                <a:latin typeface="+mj-lt"/>
+                <a:ea typeface="+mj-ea"/>
+                <a:cs typeface="+mj-cs"/>
+              </a:defRPr>
+            </a:lvl1pPr>
+          </a:lstStyle>
+          <a:p>
+            <a:r>
+              <a:rPr lang="en-IN" b="1" spc="-1" dirty="0">
+                <a:solidFill>
+                  <a:schemeClr val="tx2">
+                    <a:lumMod val="75000"/>
+                  </a:schemeClr>
+                </a:solidFill>
+                <a:latin typeface="Times New Roman" panose="02020603050405020304"/>
+              </a:rPr>
+              <a:t>A. V. PAREKH TECHNICAL INSTITUTE</a:t>
+            </a:r>
+            <a:endParaRPr lang="en-US" dirty="0"/>
+          </a:p>
+        </p:txBody>
+      </p:sp>
     </p:spTree>
     <p:extLst>
       <p:ext uri="{BB962C8B-B14F-4D97-AF65-F5344CB8AC3E}">
@@ -4141,7 +4206,7 @@
           <p:cNvPr id="2" name="Title 1">
             <a:extLst>
               <a:ext uri="{FF2B5EF4-FFF2-40B4-BE49-F238E27FC236}">
-                <a16:creationId xmlns:a16="http://schemas.microsoft.com/office/drawing/2014/main" id="{3EE64FE3-2F24-4720-B6E3-C96F988066EE}"/>
+                <a16:creationId xmlns:a16="http://schemas.microsoft.com/office/drawing/2014/main" id="{35EA1193-C87A-448B-8159-815D02559BAA}"/>
               </a:ext>
             </a:extLst>
           </p:cNvPr>
@@ -4154,18 +4219,18 @@
         </p:nvSpPr>
         <p:spPr>
           <a:xfrm>
-            <a:off x="448965" y="357526"/>
-            <a:ext cx="8398775" cy="763525"/>
+            <a:off x="448965" y="586585"/>
+            <a:ext cx="8246070" cy="763525"/>
           </a:xfrm>
         </p:spPr>
         <p:txBody>
           <a:bodyPr>
-            <a:normAutofit/>
+            <a:noAutofit/>
           </a:bodyPr>
           <a:lstStyle/>
           <a:p>
             <a:r>
-              <a:rPr lang="en-IN" sz="2800" b="1" strike="noStrike" spc="-1" dirty="0">
+              <a:rPr lang="en-IN" sz="3200" b="1" strike="noStrike" spc="-1" dirty="0">
                 <a:solidFill>
                   <a:schemeClr val="tx2">
                     <a:lumMod val="75000"/>
@@ -4173,9 +4238,9 @@
                 </a:solidFill>
                 <a:latin typeface="Times New Roman" panose="02020603050405020304"/>
               </a:rPr>
-              <a:t>Preview </a:t>
-            </a:r>
-            <a:endParaRPr lang="en-IN" sz="2800" dirty="0">
+              <a:t>FUTURE SCOPE</a:t>
+            </a:r>
+            <a:endParaRPr lang="en-IN" sz="3200" dirty="0">
               <a:solidFill>
                 <a:schemeClr val="tx2">
                   <a:lumMod val="75000"/>
@@ -4185,10 +4250,72 @@
           </a:p>
         </p:txBody>
       </p:sp>
+      <p:sp>
+        <p:nvSpPr>
+          <p:cNvPr id="4" name="Content Placeholder 3">
+            <a:extLst>
+              <a:ext uri="{FF2B5EF4-FFF2-40B4-BE49-F238E27FC236}">
+                <a16:creationId xmlns:a16="http://schemas.microsoft.com/office/drawing/2014/main" id="{C7B84612-2AD2-4FFE-998F-AB52B021265F}"/>
+              </a:ext>
+            </a:extLst>
+          </p:cNvPr>
+          <p:cNvSpPr>
+            <a:spLocks noGrp="1"/>
+          </p:cNvSpPr>
+          <p:nvPr>
+            <p:ph sz="half" idx="2"/>
+          </p:nvPr>
+        </p:nvSpPr>
+        <p:spPr>
+          <a:xfrm>
+            <a:off x="508673" y="1655520"/>
+            <a:ext cx="7700041" cy="2290576"/>
+          </a:xfrm>
+        </p:spPr>
+        <p:txBody>
+          <a:bodyPr/>
+          <a:lstStyle/>
+          <a:p>
+            <a:pPr algn="l"/>
+            <a:r>
+              <a:rPr lang="en-IN" dirty="0"/>
+              <a:t>AI Chatbot can be implemented </a:t>
+            </a:r>
+          </a:p>
+          <a:p>
+            <a:pPr algn="l"/>
+            <a:r>
+              <a:rPr lang="en-IN" dirty="0"/>
+              <a:t>Voice Assistance</a:t>
+            </a:r>
+          </a:p>
+          <a:p>
+            <a:pPr algn="l"/>
+            <a:r>
+              <a:rPr lang="en-IN" dirty="0"/>
+              <a:t>UI improvements for fluid interaction</a:t>
+            </a:r>
+          </a:p>
+          <a:p>
+            <a:pPr algn="l"/>
+            <a:r>
+              <a:rPr lang="en-IN" dirty="0"/>
+              <a:t>Optimize System for Better Performance</a:t>
+            </a:r>
+          </a:p>
+          <a:p>
+            <a:pPr algn="l"/>
+            <a:r>
+              <a:rPr lang="en-IN" dirty="0"/>
+              <a:t>Desktop &amp; IOS Application implementation</a:t>
+            </a:r>
+          </a:p>
+        </p:txBody>
+      </p:sp>
     </p:spTree>
     <p:extLst>
       <p:ext uri="{BB962C8B-B14F-4D97-AF65-F5344CB8AC3E}">
-        <p14:creationId xmlns:p14="http://schemas.microsoft.com/office/powerpoint/2010/main" val="3594574398"/>
+        <p14:creationId xmlns:p14="http://schemas.microsoft.com/office/powerpoint/2010/main" val="1421654409"/>
       </p:ext>
     </p:extLst>
   </p:cSld>
@@ -4217,10 +4344,10 @@
       </p:grpSpPr>
       <p:sp>
         <p:nvSpPr>
-          <p:cNvPr id="2" name="Title 1">
+          <p:cNvPr id="4" name="Content Placeholder 3">
             <a:extLst>
               <a:ext uri="{FF2B5EF4-FFF2-40B4-BE49-F238E27FC236}">
-                <a16:creationId xmlns:a16="http://schemas.microsoft.com/office/drawing/2014/main" id="{35EA1193-C87A-448B-8159-815D02559BAA}"/>
+                <a16:creationId xmlns:a16="http://schemas.microsoft.com/office/drawing/2014/main" id="{C44C344D-03E4-4B1D-8E2A-919D3A0AF41C}"/>
               </a:ext>
             </a:extLst>
           </p:cNvPr>
@@ -4228,23 +4355,121 @@
             <a:spLocks noGrp="1"/>
           </p:cNvSpPr>
           <p:nvPr>
-            <p:ph type="title"/>
+            <p:ph sz="half" idx="2"/>
           </p:nvPr>
         </p:nvSpPr>
         <p:spPr>
           <a:xfrm>
-            <a:off x="448965" y="357526"/>
-            <a:ext cx="8246070" cy="763525"/>
+            <a:off x="541714" y="1517097"/>
+            <a:ext cx="4040188" cy="2276294"/>
           </a:xfrm>
         </p:spPr>
         <p:txBody>
           <a:bodyPr>
-            <a:noAutofit/>
+            <a:normAutofit fontScale="92500" lnSpcReduction="10000"/>
           </a:bodyPr>
           <a:lstStyle/>
           <a:p>
-            <a:r>
-              <a:rPr lang="en-IN" sz="2800" b="1" strike="noStrike" spc="-1" dirty="0">
+            <a:pPr algn="l"/>
+            <a:r>
+              <a:rPr lang="en-US" dirty="0"/>
+              <a:t>Android Studio</a:t>
+            </a:r>
+          </a:p>
+          <a:p>
+            <a:pPr algn="l"/>
+            <a:r>
+              <a:rPr lang="en-US" dirty="0"/>
+              <a:t>Java</a:t>
+            </a:r>
+          </a:p>
+          <a:p>
+            <a:pPr algn="l"/>
+            <a:r>
+              <a:rPr lang="en-US" dirty="0"/>
+              <a:t>Php</a:t>
+            </a:r>
+          </a:p>
+          <a:p>
+            <a:pPr algn="l"/>
+            <a:r>
+              <a:rPr lang="en-US" dirty="0"/>
+              <a:t>MySQL</a:t>
+            </a:r>
+          </a:p>
+          <a:p>
+            <a:pPr algn="l"/>
+            <a:r>
+              <a:rPr lang="en-US" dirty="0"/>
+              <a:t>Adobe </a:t>
+            </a:r>
+            <a:r>
+              <a:rPr lang="en-US" dirty="0" err="1"/>
+              <a:t>PhotoShop</a:t>
+            </a:r>
+            <a:r>
+              <a:rPr lang="en-US" dirty="0"/>
+              <a:t> </a:t>
+            </a:r>
+          </a:p>
+          <a:p>
+            <a:pPr algn="l"/>
+            <a:r>
+              <a:rPr lang="en-US" dirty="0"/>
+              <a:t>Adobe XD</a:t>
+            </a:r>
+            <a:endParaRPr lang="en-IN" dirty="0"/>
+          </a:p>
+        </p:txBody>
+      </p:sp>
+      <p:sp>
+        <p:nvSpPr>
+          <p:cNvPr id="6" name="Title 1">
+            <a:extLst>
+              <a:ext uri="{FF2B5EF4-FFF2-40B4-BE49-F238E27FC236}">
+                <a16:creationId xmlns:a16="http://schemas.microsoft.com/office/drawing/2014/main" id="{ED701AD7-B65E-4CEB-AE9D-CDF39B3BE09A}"/>
+              </a:ext>
+            </a:extLst>
+          </p:cNvPr>
+          <p:cNvSpPr>
+            <a:spLocks noGrp="1"/>
+          </p:cNvSpPr>
+          <p:nvPr>
+            <p:ph type="title"/>
+          </p:nvPr>
+        </p:nvSpPr>
+        <p:spPr>
+          <a:xfrm>
+            <a:off x="448965" y="586585"/>
+            <a:ext cx="8398775" cy="763525"/>
+          </a:xfrm>
+        </p:spPr>
+        <p:txBody>
+          <a:bodyPr>
+            <a:normAutofit/>
+          </a:bodyPr>
+          <a:lstStyle/>
+          <a:p>
+            <a:r>
+              <a:rPr lang="en-IN" sz="3200" b="1" kern="1200" spc="-1" baseline="0" dirty="0">
+                <a:solidFill>
+                  <a:srgbClr val="17375E"/>
+                </a:solidFill>
+                <a:effectLst>
+                  <a:outerShdw blurRad="50800" dist="38100" dir="2700000" algn="tl" rotWithShape="0">
+                    <a:srgbClr val="000000">
+                      <a:alpha val="40000"/>
+                    </a:srgbClr>
+                  </a:outerShdw>
+                </a:effectLst>
+                <a:latin typeface="Times New Roman" panose="02020603050405020304" pitchFamily="18" charset="0"/>
+                <a:ea typeface="+mj-ea"/>
+                <a:cs typeface="+mj-cs"/>
+              </a:rPr>
+              <a:t>TECHNOLOGIES USED</a:t>
+            </a:r>
+            <a:r>
+              <a:rPr lang="en-IN" sz="3200" b="1" strike="noStrike" spc="-1" dirty="0">
                 <a:solidFill>
                   <a:schemeClr val="tx2">
                     <a:lumMod val="75000"/>
@@ -4252,9 +4477,9 @@
                 </a:solidFill>
                 <a:latin typeface="Times New Roman" panose="02020603050405020304"/>
               </a:rPr>
-              <a:t>FUTURE SCOPE (Improvement  that can be done)</a:t>
-            </a:r>
-            <a:endParaRPr lang="en-IN" sz="2800" dirty="0">
+              <a:t> </a:t>
+            </a:r>
+            <a:endParaRPr lang="en-IN" sz="3200" dirty="0">
               <a:solidFill>
                 <a:schemeClr val="tx2">
                   <a:lumMod val="75000"/>
@@ -4264,41 +4489,10 @@
           </a:p>
         </p:txBody>
       </p:sp>
-      <p:sp>
-        <p:nvSpPr>
-          <p:cNvPr id="4" name="Content Placeholder 3">
-            <a:extLst>
-              <a:ext uri="{FF2B5EF4-FFF2-40B4-BE49-F238E27FC236}">
-                <a16:creationId xmlns:a16="http://schemas.microsoft.com/office/drawing/2014/main" id="{C7B84612-2AD2-4FFE-998F-AB52B021265F}"/>
-              </a:ext>
-            </a:extLst>
-          </p:cNvPr>
-          <p:cNvSpPr>
-            <a:spLocks noGrp="1"/>
-          </p:cNvSpPr>
-          <p:nvPr>
-            <p:ph sz="half" idx="2"/>
-          </p:nvPr>
-        </p:nvSpPr>
-        <p:spPr>
-          <a:xfrm>
-            <a:off x="536878" y="1197405"/>
-            <a:ext cx="7700041" cy="3206806"/>
-          </a:xfrm>
-        </p:spPr>
-        <p:txBody>
-          <a:bodyPr/>
-          <a:lstStyle/>
-          <a:p>
-            <a:pPr algn="l"/>
-            <a:endParaRPr lang="en-IN" dirty="0"/>
-          </a:p>
-        </p:txBody>
-      </p:sp>
     </p:spTree>
     <p:extLst>
       <p:ext uri="{BB962C8B-B14F-4D97-AF65-F5344CB8AC3E}">
-        <p14:creationId xmlns:p14="http://schemas.microsoft.com/office/powerpoint/2010/main" val="1421654409"/>
+        <p14:creationId xmlns:p14="http://schemas.microsoft.com/office/powerpoint/2010/main" val="821193931"/>
       </p:ext>
     </p:extLst>
   </p:cSld>
@@ -4330,183 +4524,6 @@
           <p:cNvPr id="4" name="Content Placeholder 3">
             <a:extLst>
               <a:ext uri="{FF2B5EF4-FFF2-40B4-BE49-F238E27FC236}">
-                <a16:creationId xmlns:a16="http://schemas.microsoft.com/office/drawing/2014/main" id="{C44C344D-03E4-4B1D-8E2A-919D3A0AF41C}"/>
-              </a:ext>
-            </a:extLst>
-          </p:cNvPr>
-          <p:cNvSpPr>
-            <a:spLocks noGrp="1"/>
-          </p:cNvSpPr>
-          <p:nvPr>
-            <p:ph sz="half" idx="2"/>
-          </p:nvPr>
-        </p:nvSpPr>
-        <p:spPr>
-          <a:xfrm>
-            <a:off x="579257" y="1433603"/>
-            <a:ext cx="4040188" cy="2276294"/>
-          </a:xfrm>
-        </p:spPr>
-        <p:txBody>
-          <a:bodyPr>
-            <a:normAutofit fontScale="92500" lnSpcReduction="10000"/>
-          </a:bodyPr>
-          <a:lstStyle/>
-          <a:p>
-            <a:pPr algn="l"/>
-            <a:r>
-              <a:rPr lang="en-US" dirty="0"/>
-              <a:t>Android Studio</a:t>
-            </a:r>
-          </a:p>
-          <a:p>
-            <a:pPr algn="l"/>
-            <a:r>
-              <a:rPr lang="en-US" dirty="0"/>
-              <a:t>Java</a:t>
-            </a:r>
-          </a:p>
-          <a:p>
-            <a:pPr algn="l"/>
-            <a:r>
-              <a:rPr lang="en-US" dirty="0"/>
-              <a:t>Php</a:t>
-            </a:r>
-          </a:p>
-          <a:p>
-            <a:pPr algn="l"/>
-            <a:r>
-              <a:rPr lang="en-US" dirty="0"/>
-              <a:t>MySQL</a:t>
-            </a:r>
-          </a:p>
-          <a:p>
-            <a:pPr algn="l"/>
-            <a:r>
-              <a:rPr lang="en-US" dirty="0"/>
-              <a:t>Adobe </a:t>
-            </a:r>
-            <a:r>
-              <a:rPr lang="en-US" dirty="0" err="1"/>
-              <a:t>PhotoShop</a:t>
-            </a:r>
-            <a:r>
-              <a:rPr lang="en-US" dirty="0"/>
-              <a:t> </a:t>
-            </a:r>
-          </a:p>
-          <a:p>
-            <a:pPr algn="l"/>
-            <a:r>
-              <a:rPr lang="en-US" dirty="0"/>
-              <a:t>Adobe XD</a:t>
-            </a:r>
-            <a:endParaRPr lang="en-IN" dirty="0"/>
-          </a:p>
-        </p:txBody>
-      </p:sp>
-      <p:sp>
-        <p:nvSpPr>
-          <p:cNvPr id="6" name="Title 1">
-            <a:extLst>
-              <a:ext uri="{FF2B5EF4-FFF2-40B4-BE49-F238E27FC236}">
-                <a16:creationId xmlns:a16="http://schemas.microsoft.com/office/drawing/2014/main" id="{ED701AD7-B65E-4CEB-AE9D-CDF39B3BE09A}"/>
-              </a:ext>
-            </a:extLst>
-          </p:cNvPr>
-          <p:cNvSpPr>
-            <a:spLocks noGrp="1"/>
-          </p:cNvSpPr>
-          <p:nvPr>
-            <p:ph type="title"/>
-          </p:nvPr>
-        </p:nvSpPr>
-        <p:spPr>
-          <a:xfrm>
-            <a:off x="448965" y="357526"/>
-            <a:ext cx="8398775" cy="763525"/>
-          </a:xfrm>
-        </p:spPr>
-        <p:txBody>
-          <a:bodyPr>
-            <a:normAutofit/>
-          </a:bodyPr>
-          <a:lstStyle/>
-          <a:p>
-            <a:r>
-              <a:rPr lang="en-IN" sz="2800" b="1" kern="1200" spc="-1" baseline="0" dirty="0">
-                <a:solidFill>
-                  <a:srgbClr val="17375E"/>
-                </a:solidFill>
-                <a:effectLst>
-                  <a:outerShdw blurRad="50800" dist="38100" dir="2700000" algn="tl" rotWithShape="0">
-                    <a:srgbClr val="000000">
-                      <a:alpha val="40000"/>
-                    </a:srgbClr>
-                  </a:outerShdw>
-                </a:effectLst>
-                <a:latin typeface="Times New Roman" panose="02020603050405020304" pitchFamily="18" charset="0"/>
-                <a:ea typeface="+mj-ea"/>
-                <a:cs typeface="+mj-cs"/>
-              </a:rPr>
-              <a:t>TECHNOLOGIES USED</a:t>
-            </a:r>
-            <a:r>
-              <a:rPr lang="en-IN" sz="2800" b="1" strike="noStrike" spc="-1" dirty="0">
-                <a:solidFill>
-                  <a:schemeClr val="tx2">
-                    <a:lumMod val="75000"/>
-                  </a:schemeClr>
-                </a:solidFill>
-                <a:latin typeface="Times New Roman" panose="02020603050405020304"/>
-              </a:rPr>
-              <a:t> </a:t>
-            </a:r>
-            <a:endParaRPr lang="en-IN" sz="2800" dirty="0">
-              <a:solidFill>
-                <a:schemeClr val="tx2">
-                  <a:lumMod val="75000"/>
-                </a:schemeClr>
-              </a:solidFill>
-            </a:endParaRPr>
-          </a:p>
-        </p:txBody>
-      </p:sp>
-    </p:spTree>
-    <p:extLst>
-      <p:ext uri="{BB962C8B-B14F-4D97-AF65-F5344CB8AC3E}">
-        <p14:creationId xmlns:p14="http://schemas.microsoft.com/office/powerpoint/2010/main" val="821193931"/>
-      </p:ext>
-    </p:extLst>
-  </p:cSld>
-  <p:clrMapOvr>
-    <a:masterClrMapping/>
-  </p:clrMapOvr>
-</p:sld>
-</file>
-
-<file path=ppt/slides/slide13.xml><?xml version="1.0" encoding="utf-8"?>
-<p:sld xmlns:a="http://schemas.openxmlformats.org/drawingml/2006/main" xmlns:r="http://schemas.openxmlformats.org/officeDocument/2006/relationships" xmlns:p="http://schemas.openxmlformats.org/presentationml/2006/main">
-  <p:cSld>
-    <p:spTree>
-      <p:nvGrpSpPr>
-        <p:cNvPr id="1" name=""/>
-        <p:cNvGrpSpPr/>
-        <p:nvPr/>
-      </p:nvGrpSpPr>
-      <p:grpSpPr>
-        <a:xfrm>
-          <a:off x="0" y="0"/>
-          <a:ext cx="0" cy="0"/>
-          <a:chOff x="0" y="0"/>
-          <a:chExt cx="0" cy="0"/>
-        </a:xfrm>
-      </p:grpSpPr>
-      <p:sp>
-        <p:nvSpPr>
-          <p:cNvPr id="4" name="Content Placeholder 3">
-            <a:extLst>
-              <a:ext uri="{FF2B5EF4-FFF2-40B4-BE49-F238E27FC236}">
                 <a16:creationId xmlns:a16="http://schemas.microsoft.com/office/drawing/2014/main" id="{58F65FD4-3611-4C19-8917-43BB4D17315A}"/>
               </a:ext>
             </a:extLst>
@@ -4520,8 +4537,8 @@
         </p:nvSpPr>
         <p:spPr>
           <a:xfrm>
-            <a:off x="448965" y="1121050"/>
-            <a:ext cx="7700041" cy="3664924"/>
+            <a:off x="448965" y="1478576"/>
+            <a:ext cx="7700041" cy="3383749"/>
           </a:xfrm>
         </p:spPr>
         <p:txBody>
@@ -4653,7 +4670,7 @@
         </p:nvSpPr>
         <p:spPr>
           <a:xfrm>
-            <a:off x="448965" y="357526"/>
+            <a:off x="448965" y="586585"/>
             <a:ext cx="8398775" cy="763525"/>
           </a:xfrm>
         </p:spPr>
@@ -4664,7 +4681,7 @@
           <a:lstStyle/>
           <a:p>
             <a:r>
-              <a:rPr lang="en-IN" sz="2800" b="1" kern="1200" spc="-1" baseline="0" dirty="0">
+              <a:rPr lang="en-IN" sz="3200" b="1" kern="1200" spc="-1" baseline="0" dirty="0">
                 <a:solidFill>
                   <a:srgbClr val="17375E"/>
                 </a:solidFill>
@@ -4681,7 +4698,7 @@
               </a:rPr>
               <a:t>References</a:t>
             </a:r>
-            <a:endParaRPr lang="en-IN" sz="2800" dirty="0">
+            <a:endParaRPr lang="en-IN" sz="3200" dirty="0">
               <a:solidFill>
                 <a:schemeClr val="tx2">
                   <a:lumMod val="75000"/>
@@ -4704,7 +4721,7 @@
 </p:sld>
 </file>
 
-<file path=ppt/slides/slide14.xml><?xml version="1.0" encoding="utf-8"?>
+<file path=ppt/slides/slide13.xml><?xml version="1.0" encoding="utf-8"?>
 <p:sld xmlns:a="http://schemas.openxmlformats.org/drawingml/2006/main" xmlns:r="http://schemas.openxmlformats.org/officeDocument/2006/relationships" xmlns:p="http://schemas.openxmlformats.org/presentationml/2006/main">
   <p:cSld>
     <p:spTree>
@@ -4818,12 +4835,14 @@
         </p:nvSpPr>
         <p:spPr>
           <a:xfrm>
-            <a:off x="2281425" y="428399"/>
-            <a:ext cx="3658820" cy="725349"/>
+            <a:off x="2281424" y="428399"/>
+            <a:ext cx="5497381" cy="725349"/>
           </a:xfrm>
         </p:spPr>
         <p:txBody>
-          <a:bodyPr/>
+          <a:bodyPr>
+            <a:normAutofit/>
+          </a:bodyPr>
           <a:lstStyle/>
           <a:p>
             <a:r>
@@ -4835,7 +4854,7 @@
                 </a:solidFill>
                 <a:latin typeface="Times New Roman" panose="02020603050405020304"/>
               </a:rPr>
-              <a:t>Project Members</a:t>
+              <a:t>Project Guide &amp; Members</a:t>
             </a:r>
             <a:endParaRPr lang="en-IN" dirty="0">
               <a:solidFill>
@@ -4844,72 +4863,6 @@
                 </a:schemeClr>
               </a:solidFill>
             </a:endParaRPr>
-          </a:p>
-        </p:txBody>
-      </p:sp>
-      <p:sp>
-        <p:nvSpPr>
-          <p:cNvPr id="4" name="Title 3">
-            <a:extLst>
-              <a:ext uri="{FF2B5EF4-FFF2-40B4-BE49-F238E27FC236}">
-                <a16:creationId xmlns:a16="http://schemas.microsoft.com/office/drawing/2014/main" id="{25012FA9-A8AF-4576-BB04-B0A1C7B6F09E}"/>
-              </a:ext>
-            </a:extLst>
-          </p:cNvPr>
-          <p:cNvSpPr txBox="1">
-            <a:spLocks/>
-          </p:cNvSpPr>
-          <p:nvPr/>
-        </p:nvSpPr>
-        <p:spPr>
-          <a:xfrm>
-            <a:off x="909520" y="4345791"/>
-            <a:ext cx="7787955" cy="725349"/>
-          </a:xfrm>
-          <a:prstGeom prst="rect">
-            <a:avLst/>
-          </a:prstGeom>
-        </p:spPr>
-        <p:txBody>
-          <a:bodyPr vert="horz" lIns="91440" tIns="45720" rIns="91440" bIns="45720" rtlCol="0" anchor="ctr">
-            <a:normAutofit fontScale="90000"/>
-          </a:bodyPr>
-          <a:lstStyle>
-            <a:lvl1pPr algn="l" defTabSz="914400" rtl="0" eaLnBrk="1" latinLnBrk="0" hangingPunct="1">
-              <a:spcBef>
-                <a:spcPct val="0"/>
-              </a:spcBef>
-              <a:buNone/>
-              <a:defRPr sz="3600" kern="1200">
-                <a:solidFill>
-                  <a:srgbClr val="7030A0"/>
-                </a:solidFill>
-                <a:effectLst>
-                  <a:outerShdw blurRad="50800" dist="38100" dir="2700000" algn="tl" rotWithShape="0">
-                    <a:prstClr val="black">
-                      <a:alpha val="40000"/>
-                    </a:prstClr>
-                  </a:outerShdw>
-                </a:effectLst>
-                <a:latin typeface="+mj-lt"/>
-                <a:ea typeface="+mj-ea"/>
-                <a:cs typeface="+mj-cs"/>
-              </a:defRPr>
-            </a:lvl1pPr>
-          </a:lstStyle>
-          <a:p>
-            <a:r>
-              <a:rPr lang="en-IN" b="1" spc="-1" dirty="0">
-                <a:solidFill>
-                  <a:schemeClr val="tx2">
-                    <a:lumMod val="75000"/>
-                  </a:schemeClr>
-                </a:solidFill>
-                <a:latin typeface="Times New Roman" panose="02020603050405020304"/>
-              </a:rPr>
-              <a:t>A. V. PAREKH TECHNICAL INSTITUTE</a:t>
-            </a:r>
-            <a:endParaRPr lang="en-US" dirty="0"/>
           </a:p>
         </p:txBody>
       </p:sp>
@@ -4928,7 +4881,7 @@
           <p:nvPr>
             <p:extLst>
               <p:ext uri="{D42A27DB-BD31-4B8C-83A1-F6EECF244321}">
-                <p14:modId xmlns:p14="http://schemas.microsoft.com/office/powerpoint/2010/main" val="3193996307"/>
+                <p14:modId xmlns:p14="http://schemas.microsoft.com/office/powerpoint/2010/main" val="759443654"/>
               </p:ext>
             </p:extLst>
           </p:nvPr>
@@ -5095,6 +5048,179 @@
           </a:graphicData>
         </a:graphic>
       </p:graphicFrame>
+      <p:graphicFrame>
+        <p:nvGraphicFramePr>
+          <p:cNvPr id="3" name="Table 2">
+            <a:extLst>
+              <a:ext uri="{FF2B5EF4-FFF2-40B4-BE49-F238E27FC236}">
+                <a16:creationId xmlns:a16="http://schemas.microsoft.com/office/drawing/2014/main" id="{570C9EE5-4DF4-4C03-85C4-A7A8D0171722}"/>
+              </a:ext>
+            </a:extLst>
+          </p:cNvPr>
+          <p:cNvGraphicFramePr>
+            <a:graphicFrameLocks noGrp="1"/>
+          </p:cNvGraphicFramePr>
+          <p:nvPr>
+            <p:extLst>
+              <p:ext uri="{D42A27DB-BD31-4B8C-83A1-F6EECF244321}">
+                <p14:modId xmlns:p14="http://schemas.microsoft.com/office/powerpoint/2010/main" val="1789410597"/>
+              </p:ext>
+            </p:extLst>
+          </p:nvPr>
+        </p:nvGraphicFramePr>
+        <p:xfrm>
+          <a:off x="2281424" y="3620045"/>
+          <a:ext cx="6260906" cy="792480"/>
+        </p:xfrm>
+        <a:graphic>
+          <a:graphicData uri="http://schemas.openxmlformats.org/drawingml/2006/table">
+            <a:tbl>
+              <a:tblPr firstRow="1" bandRow="1">
+                <a:tableStyleId>{2D5ABB26-0587-4C30-8999-92F81FD0307C}</a:tableStyleId>
+              </a:tblPr>
+              <a:tblGrid>
+                <a:gridCol w="1832461">
+                  <a:extLst>
+                    <a:ext uri="{9D8B030D-6E8A-4147-A177-3AD203B41FA5}">
+                      <a16:colId xmlns:a16="http://schemas.microsoft.com/office/drawing/2014/main" val="3403401434"/>
+                    </a:ext>
+                  </a:extLst>
+                </a:gridCol>
+                <a:gridCol w="305410">
+                  <a:extLst>
+                    <a:ext uri="{9D8B030D-6E8A-4147-A177-3AD203B41FA5}">
+                      <a16:colId xmlns:a16="http://schemas.microsoft.com/office/drawing/2014/main" val="770837400"/>
+                    </a:ext>
+                  </a:extLst>
+                </a:gridCol>
+                <a:gridCol w="4123035">
+                  <a:extLst>
+                    <a:ext uri="{9D8B030D-6E8A-4147-A177-3AD203B41FA5}">
+                      <a16:colId xmlns:a16="http://schemas.microsoft.com/office/drawing/2014/main" val="3271888026"/>
+                    </a:ext>
+                  </a:extLst>
+                </a:gridCol>
+              </a:tblGrid>
+              <a:tr h="370840">
+                <a:tc>
+                  <a:txBody>
+                    <a:bodyPr/>
+                    <a:lstStyle/>
+                    <a:p>
+                      <a:r>
+                        <a:rPr lang="en-IN" sz="2000" dirty="0">
+                          <a:solidFill>
+                            <a:srgbClr val="002060"/>
+                          </a:solidFill>
+                        </a:rPr>
+                        <a:t>PROJECT GUIDE </a:t>
+                      </a:r>
+                    </a:p>
+                  </a:txBody>
+                  <a:tcPr/>
+                </a:tc>
+                <a:tc>
+                  <a:txBody>
+                    <a:bodyPr/>
+                    <a:lstStyle/>
+                    <a:p>
+                      <a:r>
+                        <a:rPr lang="en-IN" sz="2000" dirty="0">
+                          <a:solidFill>
+                            <a:srgbClr val="002060"/>
+                          </a:solidFill>
+                        </a:rPr>
+                        <a:t>-</a:t>
+                      </a:r>
+                    </a:p>
+                  </a:txBody>
+                  <a:tcPr/>
+                </a:tc>
+                <a:tc>
+                  <a:txBody>
+                    <a:bodyPr/>
+                    <a:lstStyle/>
+                    <a:p>
+                      <a:r>
+                        <a:rPr lang="en-IN" sz="2000" dirty="0">
+                          <a:solidFill>
+                            <a:srgbClr val="002060"/>
+                          </a:solidFill>
+                        </a:rPr>
+                        <a:t>Prof. D. S. Pathak</a:t>
+                      </a:r>
+                    </a:p>
+                  </a:txBody>
+                  <a:tcPr/>
+                </a:tc>
+                <a:extLst>
+                  <a:ext uri="{0D108BD9-81ED-4DB2-BD59-A6C34878D82A}">
+                    <a16:rowId xmlns:a16="http://schemas.microsoft.com/office/drawing/2014/main" val="3913486188"/>
+                  </a:ext>
+                </a:extLst>
+              </a:tr>
+              <a:tr h="370840">
+                <a:tc>
+                  <a:txBody>
+                    <a:bodyPr/>
+                    <a:lstStyle/>
+                    <a:p>
+                      <a:r>
+                        <a:rPr lang="en-IN" sz="2000" dirty="0">
+                          <a:solidFill>
+                            <a:srgbClr val="002060"/>
+                          </a:solidFill>
+                        </a:rPr>
+                        <a:t>HOD </a:t>
+                      </a:r>
+                    </a:p>
+                  </a:txBody>
+                  <a:tcPr/>
+                </a:tc>
+                <a:tc>
+                  <a:txBody>
+                    <a:bodyPr/>
+                    <a:lstStyle/>
+                    <a:p>
+                      <a:r>
+                        <a:rPr lang="en-IN" sz="2000" b="0" dirty="0">
+                          <a:solidFill>
+                            <a:srgbClr val="002060"/>
+                          </a:solidFill>
+                        </a:rPr>
+                        <a:t>-</a:t>
+                      </a:r>
+                    </a:p>
+                  </a:txBody>
+                  <a:tcPr/>
+                </a:tc>
+                <a:tc>
+                  <a:txBody>
+                    <a:bodyPr/>
+                    <a:lstStyle/>
+                    <a:p>
+                      <a:r>
+                        <a:rPr lang="en-IN" sz="2000" dirty="0">
+                          <a:solidFill>
+                            <a:srgbClr val="002060"/>
+                          </a:solidFill>
+                        </a:rPr>
+                        <a:t>Prof. H. H. Rupareliya</a:t>
+                      </a:r>
+                    </a:p>
+                  </a:txBody>
+                  <a:tcPr/>
+                </a:tc>
+                <a:extLst>
+                  <a:ext uri="{0D108BD9-81ED-4DB2-BD59-A6C34878D82A}">
+                    <a16:rowId xmlns:a16="http://schemas.microsoft.com/office/drawing/2014/main" val="2509352508"/>
+                  </a:ext>
+                </a:extLst>
+              </a:tr>
+            </a:tbl>
+          </a:graphicData>
+        </a:graphic>
+      </p:graphicFrame>
     </p:spTree>
     <p:extLst>
       <p:ext uri="{BB962C8B-B14F-4D97-AF65-F5344CB8AC3E}">
@@ -5130,7 +5256,7 @@
           <p:cNvPr id="2" name="Title 1">
             <a:extLst>
               <a:ext uri="{FF2B5EF4-FFF2-40B4-BE49-F238E27FC236}">
-                <a16:creationId xmlns:a16="http://schemas.microsoft.com/office/drawing/2014/main" id="{FBC25B94-8DFB-4513-96EE-395A174A96A1}"/>
+                <a16:creationId xmlns:a16="http://schemas.microsoft.com/office/drawing/2014/main" id="{526A5BEF-AE83-4E03-A575-E852076B22E6}"/>
               </a:ext>
             </a:extLst>
           </p:cNvPr>
@@ -5141,16 +5267,9 @@
             <p:ph type="title"/>
           </p:nvPr>
         </p:nvSpPr>
-        <p:spPr>
-          <a:xfrm>
-            <a:off x="2281425" y="281176"/>
-            <a:ext cx="6413610" cy="1374344"/>
-          </a:xfrm>
-        </p:spPr>
-        <p:txBody>
-          <a:bodyPr>
-            <a:normAutofit/>
-          </a:bodyPr>
+        <p:spPr/>
+        <p:txBody>
+          <a:bodyPr/>
           <a:lstStyle/>
           <a:p>
             <a:r>
@@ -5162,7 +5281,7 @@
                 </a:solidFill>
                 <a:latin typeface="Times New Roman" panose="02020603050405020304"/>
               </a:rPr>
-              <a:t>RESPECTED HOD &amp; Project Guide</a:t>
+              <a:t>ABSTRACT</a:t>
             </a:r>
             <a:endParaRPr lang="en-IN" dirty="0">
               <a:solidFill>
@@ -5174,196 +5293,81 @@
           </a:p>
         </p:txBody>
       </p:sp>
-      <p:graphicFrame>
-        <p:nvGraphicFramePr>
-          <p:cNvPr id="4" name="Table 3">
+      <p:sp>
+        <p:nvSpPr>
+          <p:cNvPr id="3" name="Content Placeholder 2">
             <a:extLst>
               <a:ext uri="{FF2B5EF4-FFF2-40B4-BE49-F238E27FC236}">
-                <a16:creationId xmlns:a16="http://schemas.microsoft.com/office/drawing/2014/main" id="{D18CA914-8403-47E9-BBD2-EF65E8593E92}"/>
+                <a16:creationId xmlns:a16="http://schemas.microsoft.com/office/drawing/2014/main" id="{3909323D-4A5D-4286-9CFD-AA98973D7F56}"/>
               </a:ext>
             </a:extLst>
           </p:cNvPr>
-          <p:cNvGraphicFramePr>
-            <a:graphicFrameLocks noGrp="1"/>
-          </p:cNvGraphicFramePr>
-          <p:nvPr>
-            <p:extLst>
-              <p:ext uri="{D42A27DB-BD31-4B8C-83A1-F6EECF244321}">
-                <p14:modId xmlns:p14="http://schemas.microsoft.com/office/powerpoint/2010/main" val="3006782318"/>
-              </p:ext>
-            </p:extLst>
-          </p:nvPr>
-        </p:nvGraphicFramePr>
-        <p:xfrm>
-          <a:off x="2281425" y="2053590"/>
-          <a:ext cx="6260906" cy="1036320"/>
-        </p:xfrm>
-        <a:graphic>
-          <a:graphicData uri="http://schemas.openxmlformats.org/drawingml/2006/table">
-            <a:tbl>
-              <a:tblPr firstRow="1" bandRow="1">
-                <a:tableStyleId>{2D5ABB26-0587-4C30-8999-92F81FD0307C}</a:tableStyleId>
-              </a:tblPr>
-              <a:tblGrid>
-                <a:gridCol w="2475242">
-                  <a:extLst>
-                    <a:ext uri="{9D8B030D-6E8A-4147-A177-3AD203B41FA5}">
-                      <a16:colId xmlns:a16="http://schemas.microsoft.com/office/drawing/2014/main" val="3403401434"/>
-                    </a:ext>
-                  </a:extLst>
-                </a:gridCol>
-                <a:gridCol w="291205">
-                  <a:extLst>
-                    <a:ext uri="{9D8B030D-6E8A-4147-A177-3AD203B41FA5}">
-                      <a16:colId xmlns:a16="http://schemas.microsoft.com/office/drawing/2014/main" val="770837400"/>
-                    </a:ext>
-                  </a:extLst>
-                </a:gridCol>
-                <a:gridCol w="3494459">
-                  <a:extLst>
-                    <a:ext uri="{9D8B030D-6E8A-4147-A177-3AD203B41FA5}">
-                      <a16:colId xmlns:a16="http://schemas.microsoft.com/office/drawing/2014/main" val="3271888026"/>
-                    </a:ext>
-                  </a:extLst>
-                </a:gridCol>
-              </a:tblGrid>
-              <a:tr h="370840">
-                <a:tc>
-                  <a:txBody>
-                    <a:bodyPr/>
-                    <a:lstStyle/>
-                    <a:p>
-                      <a:r>
-                        <a:rPr lang="en-IN" sz="2800" dirty="0">
-                          <a:solidFill>
-                            <a:srgbClr val="002060"/>
-                          </a:solidFill>
-                        </a:rPr>
-                        <a:t>PROJECT GUIDE </a:t>
-                      </a:r>
-                    </a:p>
-                  </a:txBody>
-                  <a:tcPr/>
-                </a:tc>
-                <a:tc>
-                  <a:txBody>
-                    <a:bodyPr/>
-                    <a:lstStyle/>
-                    <a:p>
-                      <a:r>
-                        <a:rPr lang="en-IN" sz="2800" dirty="0">
-                          <a:solidFill>
-                            <a:srgbClr val="002060"/>
-                          </a:solidFill>
-                        </a:rPr>
-                        <a:t>-</a:t>
-                      </a:r>
-                    </a:p>
-                  </a:txBody>
-                  <a:tcPr/>
-                </a:tc>
-                <a:tc>
-                  <a:txBody>
-                    <a:bodyPr/>
-                    <a:lstStyle/>
-                    <a:p>
-                      <a:r>
-                        <a:rPr lang="en-IN" sz="2800" dirty="0">
-                          <a:solidFill>
-                            <a:srgbClr val="002060"/>
-                          </a:solidFill>
-                        </a:rPr>
-                        <a:t>Prof. D. S. Pathak</a:t>
-                      </a:r>
-                    </a:p>
-                  </a:txBody>
-                  <a:tcPr/>
-                </a:tc>
-                <a:extLst>
-                  <a:ext uri="{0D108BD9-81ED-4DB2-BD59-A6C34878D82A}">
-                    <a16:rowId xmlns:a16="http://schemas.microsoft.com/office/drawing/2014/main" val="3913486188"/>
-                  </a:ext>
-                </a:extLst>
-              </a:tr>
-              <a:tr h="370840">
-                <a:tc>
-                  <a:txBody>
-                    <a:bodyPr/>
-                    <a:lstStyle/>
-                    <a:p>
-                      <a:r>
-                        <a:rPr lang="en-IN" sz="2800" dirty="0">
-                          <a:solidFill>
-                            <a:srgbClr val="002060"/>
-                          </a:solidFill>
-                        </a:rPr>
-                        <a:t>CE HOD </a:t>
-                      </a:r>
-                    </a:p>
-                  </a:txBody>
-                  <a:tcPr/>
-                </a:tc>
-                <a:tc>
-                  <a:txBody>
-                    <a:bodyPr/>
-                    <a:lstStyle/>
-                    <a:p>
-                      <a:r>
-                        <a:rPr lang="en-IN" sz="2800" b="0" dirty="0">
-                          <a:solidFill>
-                            <a:srgbClr val="002060"/>
-                          </a:solidFill>
-                        </a:rPr>
-                        <a:t>-</a:t>
-                      </a:r>
-                    </a:p>
-                  </a:txBody>
-                  <a:tcPr/>
-                </a:tc>
-                <a:tc>
-                  <a:txBody>
-                    <a:bodyPr/>
-                    <a:lstStyle/>
-                    <a:p>
-                      <a:r>
-                        <a:rPr lang="en-IN" sz="2800" dirty="0">
-                          <a:solidFill>
-                            <a:srgbClr val="002060"/>
-                          </a:solidFill>
-                        </a:rPr>
-                        <a:t>Prof. H. H. </a:t>
-                      </a:r>
-                      <a:r>
-                        <a:rPr lang="en-IN" sz="2800" dirty="0" err="1">
-                          <a:solidFill>
-                            <a:srgbClr val="002060"/>
-                          </a:solidFill>
-                        </a:rPr>
-                        <a:t>Rupareliya</a:t>
-                      </a:r>
-                      <a:endParaRPr lang="en-IN" sz="2800" dirty="0">
-                        <a:solidFill>
-                          <a:srgbClr val="002060"/>
-                        </a:solidFill>
-                      </a:endParaRPr>
-                    </a:p>
-                  </a:txBody>
-                  <a:tcPr/>
-                </a:tc>
-                <a:extLst>
-                  <a:ext uri="{0D108BD9-81ED-4DB2-BD59-A6C34878D82A}">
-                    <a16:rowId xmlns:a16="http://schemas.microsoft.com/office/drawing/2014/main" val="3017849510"/>
-                  </a:ext>
-                </a:extLst>
-              </a:tr>
-            </a:tbl>
-          </a:graphicData>
-        </a:graphic>
-      </p:graphicFrame>
+          <p:cNvSpPr>
+            <a:spLocks noGrp="1"/>
+          </p:cNvSpPr>
+          <p:nvPr>
+            <p:ph idx="1"/>
+          </p:nvPr>
+        </p:nvSpPr>
+        <p:spPr/>
+        <p:txBody>
+          <a:bodyPr>
+            <a:normAutofit/>
+          </a:bodyPr>
+          <a:lstStyle/>
+          <a:p>
+            <a:r>
+              <a:rPr lang="en-US" sz="1800" b="0" i="0" u="none" strike="noStrike" baseline="0" dirty="0">
+                <a:latin typeface="CIDFont+F5"/>
+              </a:rPr>
+              <a:t>The main objective of this system is to provide a Virtual Assistant(chatbot) for admission guidance after 10th Board. </a:t>
+            </a:r>
+          </a:p>
+          <a:p>
+            <a:pPr marL="0" indent="0">
+              <a:buNone/>
+            </a:pPr>
+            <a:endParaRPr lang="en-US" sz="1800" b="0" i="0" u="none" strike="noStrike" baseline="0" dirty="0">
+              <a:latin typeface="CIDFont+F5"/>
+            </a:endParaRPr>
+          </a:p>
+          <a:p>
+            <a:r>
+              <a:rPr lang="en-US" sz="1800" b="0" i="0" u="none" strike="noStrike" baseline="0" dirty="0">
+                <a:latin typeface="CIDFont+F5"/>
+              </a:rPr>
+              <a:t>This System will guide users by providing various functionalities like a chatbot for virtual interaction, information of various streams and of the various schools and colleges.</a:t>
+            </a:r>
+          </a:p>
+          <a:p>
+            <a:pPr marL="0" indent="0">
+              <a:buNone/>
+            </a:pPr>
+            <a:endParaRPr lang="en-IN" sz="1800" b="0" i="0" u="none" strike="noStrike" baseline="0" dirty="0">
+              <a:latin typeface="CIDFont+F5"/>
+            </a:endParaRPr>
+          </a:p>
+          <a:p>
+            <a:r>
+              <a:rPr lang="en-US" sz="1800" b="0" i="0" u="none" strike="noStrike" baseline="0" dirty="0">
+                <a:latin typeface="CIDFont+F5"/>
+              </a:rPr>
+              <a:t>This project is intended for students and parents who are currently having dilemmas about carrier and future scope for choosing a particular stream based on their </a:t>
+            </a:r>
+            <a:r>
+              <a:rPr lang="en-IN" sz="1800" b="0" i="0" u="none" strike="noStrike" baseline="0" dirty="0">
+                <a:latin typeface="CIDFont+F5"/>
+              </a:rPr>
+              <a:t>preferences.</a:t>
+            </a:r>
+            <a:endParaRPr lang="en-IN" dirty="0"/>
+          </a:p>
+        </p:txBody>
+      </p:sp>
     </p:spTree>
     <p:extLst>
       <p:ext uri="{BB962C8B-B14F-4D97-AF65-F5344CB8AC3E}">
-        <p14:creationId xmlns:p14="http://schemas.microsoft.com/office/powerpoint/2010/main" val="3377837525"/>
+        <p14:creationId xmlns:p14="http://schemas.microsoft.com/office/powerpoint/2010/main" val="1140787300"/>
       </p:ext>
     </p:extLst>
   </p:cSld>
@@ -5395,7 +5399,7 @@
           <p:cNvPr id="2" name="Title 1">
             <a:extLst>
               <a:ext uri="{FF2B5EF4-FFF2-40B4-BE49-F238E27FC236}">
-                <a16:creationId xmlns:a16="http://schemas.microsoft.com/office/drawing/2014/main" id="{526A5BEF-AE83-4E03-A575-E852076B22E6}"/>
+                <a16:creationId xmlns:a16="http://schemas.microsoft.com/office/drawing/2014/main" id="{6A19C97B-6014-49CD-9651-732C03919B99}"/>
               </a:ext>
             </a:extLst>
           </p:cNvPr>
@@ -5406,7 +5410,12 @@
             <p:ph type="title"/>
           </p:nvPr>
         </p:nvSpPr>
-        <p:spPr/>
+        <p:spPr>
+          <a:xfrm>
+            <a:off x="448965" y="586585"/>
+            <a:ext cx="8246070" cy="763525"/>
+          </a:xfrm>
+        </p:spPr>
         <p:txBody>
           <a:bodyPr/>
           <a:lstStyle/>
@@ -5420,7 +5429,7 @@
                 </a:solidFill>
                 <a:latin typeface="Times New Roman" panose="02020603050405020304"/>
               </a:rPr>
-              <a:t>ABSTRACT</a:t>
+              <a:t>Features</a:t>
             </a:r>
             <a:endParaRPr lang="en-IN" dirty="0">
               <a:solidFill>
@@ -5434,10 +5443,10 @@
       </p:sp>
       <p:sp>
         <p:nvSpPr>
-          <p:cNvPr id="3" name="Content Placeholder 2">
+          <p:cNvPr id="4" name="Content Placeholder 3">
             <a:extLst>
               <a:ext uri="{FF2B5EF4-FFF2-40B4-BE49-F238E27FC236}">
-                <a16:creationId xmlns:a16="http://schemas.microsoft.com/office/drawing/2014/main" id="{3909323D-4A5D-4286-9CFD-AA98973D7F56}"/>
+                <a16:creationId xmlns:a16="http://schemas.microsoft.com/office/drawing/2014/main" id="{5277E0D2-F6AC-4C8C-B709-63E141493B13}"/>
               </a:ext>
             </a:extLst>
           </p:cNvPr>
@@ -5445,50 +5454,73 @@
             <a:spLocks noGrp="1"/>
           </p:cNvSpPr>
           <p:nvPr>
-            <p:ph idx="1"/>
-          </p:nvPr>
-        </p:nvSpPr>
-        <p:spPr/>
-        <p:txBody>
-          <a:bodyPr>
-            <a:normAutofit/>
-          </a:bodyPr>
+            <p:ph sz="half" idx="2"/>
+          </p:nvPr>
+        </p:nvSpPr>
+        <p:spPr>
+          <a:xfrm>
+            <a:off x="448965" y="1655520"/>
+            <a:ext cx="7329840" cy="2734409"/>
+          </a:xfrm>
+        </p:spPr>
+        <p:txBody>
+          <a:bodyPr/>
           <a:lstStyle/>
           <a:p>
-            <a:r>
-              <a:rPr lang="en-US" sz="1800" b="0" i="0" u="none" strike="noStrike" baseline="0" dirty="0">
-                <a:latin typeface="CIDFont+F5"/>
+            <a:pPr algn="l"/>
+            <a:r>
+              <a:rPr lang="en-IN" sz="2400" b="0" strike="noStrike" spc="-1" dirty="0">
+                <a:latin typeface="Times New Roman" panose="02020603050405020304"/>
               </a:rPr>
-              <a:t>The main objective of this system is to provide a Virtual Assistant(chatbot) for admission guidance after 10th Board. </a:t>
-            </a:r>
-          </a:p>
-          <a:p>
-            <a:r>
-              <a:rPr lang="en-US" sz="1800" b="0" i="0" u="none" strike="noStrike" baseline="0" dirty="0">
-                <a:latin typeface="CIDFont+F5"/>
+              <a:t>Easy to Understand UI</a:t>
+            </a:r>
+          </a:p>
+          <a:p>
+            <a:pPr algn="l"/>
+            <a:r>
+              <a:rPr lang="en-IN" sz="2400" b="0" strike="noStrike" spc="-1" dirty="0">
+                <a:latin typeface="Times New Roman" panose="02020603050405020304"/>
               </a:rPr>
-              <a:t>This System will guide users by providing various functionalities like a chatbot for virtual interaction, information of various streams and of the various schools and colleges for helping users to find the most suitable for </a:t>
-            </a:r>
-            <a:r>
-              <a:rPr lang="en-IN" sz="1800" b="0" i="0" u="none" strike="noStrike" baseline="0" dirty="0">
-                <a:latin typeface="CIDFont+F5"/>
+              <a:t>User Friendly Application</a:t>
+            </a:r>
+            <a:endParaRPr lang="en-IN" sz="2400" b="0" strike="noStrike" spc="-1" dirty="0">
+              <a:latin typeface="Arial" panose="020B0604020202020204"/>
+            </a:endParaRPr>
+          </a:p>
+          <a:p>
+            <a:pPr algn="l"/>
+            <a:r>
+              <a:rPr lang="en-IN" spc="-1" dirty="0">
+                <a:latin typeface="Times New Roman" panose="02020603050405020304"/>
               </a:rPr>
-              <a:t>them.</a:t>
-            </a:r>
-          </a:p>
-          <a:p>
-            <a:r>
-              <a:rPr lang="en-US" sz="1800" b="0" i="0" u="none" strike="noStrike" baseline="0" dirty="0">
-                <a:latin typeface="CIDFont+F5"/>
-              </a:rPr>
-              <a:t>This project is intended for students and parents who are currently having dilemmas about carrier and future scope for choosing a particular stream based on their </a:t>
-            </a:r>
-            <a:r>
-              <a:rPr lang="en-IN" sz="1800" b="0" i="0" u="none" strike="noStrike" baseline="0" dirty="0">
-                <a:latin typeface="CIDFont+F5"/>
-              </a:rPr>
-              <a:t>preferences.</a:t>
-            </a:r>
+              <a:t>Faster and Easier access to the Institute Information</a:t>
+            </a:r>
+          </a:p>
+          <a:p>
+            <a:pPr algn="l"/>
+            <a:r>
+              <a:rPr lang="en-IN" dirty="0"/>
+              <a:t>Availability (24 X 7)</a:t>
+            </a:r>
+          </a:p>
+          <a:p>
+            <a:pPr algn="l"/>
+            <a:endParaRPr lang="en-IN" dirty="0"/>
+          </a:p>
+          <a:p>
+            <a:pPr algn="l"/>
+            <a:endParaRPr lang="en-IN" dirty="0"/>
+          </a:p>
+          <a:p>
+            <a:pPr algn="l"/>
+            <a:endParaRPr lang="en-IN" dirty="0"/>
+          </a:p>
+          <a:p>
+            <a:pPr algn="l"/>
+            <a:endParaRPr lang="en-IN" dirty="0"/>
+          </a:p>
+          <a:p>
+            <a:pPr algn="l"/>
             <a:endParaRPr lang="en-IN" dirty="0"/>
           </a:p>
         </p:txBody>
@@ -5496,7 +5528,7 @@
     </p:spTree>
     <p:extLst>
       <p:ext uri="{BB962C8B-B14F-4D97-AF65-F5344CB8AC3E}">
-        <p14:creationId xmlns:p14="http://schemas.microsoft.com/office/powerpoint/2010/main" val="1140787300"/>
+        <p14:creationId xmlns:p14="http://schemas.microsoft.com/office/powerpoint/2010/main" val="2311048782"/>
       </p:ext>
     </p:extLst>
   </p:cSld>
@@ -5528,163 +5560,6 @@
           <p:cNvPr id="2" name="Title 1">
             <a:extLst>
               <a:ext uri="{FF2B5EF4-FFF2-40B4-BE49-F238E27FC236}">
-                <a16:creationId xmlns:a16="http://schemas.microsoft.com/office/drawing/2014/main" id="{6A19C97B-6014-49CD-9651-732C03919B99}"/>
-              </a:ext>
-            </a:extLst>
-          </p:cNvPr>
-          <p:cNvSpPr>
-            <a:spLocks noGrp="1"/>
-          </p:cNvSpPr>
-          <p:nvPr>
-            <p:ph type="title"/>
-          </p:nvPr>
-        </p:nvSpPr>
-        <p:spPr>
-          <a:xfrm>
-            <a:off x="448965" y="433880"/>
-            <a:ext cx="8246070" cy="763525"/>
-          </a:xfrm>
-        </p:spPr>
-        <p:txBody>
-          <a:bodyPr/>
-          <a:lstStyle/>
-          <a:p>
-            <a:r>
-              <a:rPr lang="en-IN" sz="3600" b="1" strike="noStrike" spc="-1" dirty="0">
-                <a:solidFill>
-                  <a:schemeClr val="tx2">
-                    <a:lumMod val="75000"/>
-                  </a:schemeClr>
-                </a:solidFill>
-                <a:latin typeface="Times New Roman" panose="02020603050405020304"/>
-              </a:rPr>
-              <a:t>Features</a:t>
-            </a:r>
-            <a:endParaRPr lang="en-IN" dirty="0">
-              <a:solidFill>
-                <a:schemeClr val="tx2">
-                  <a:lumMod val="75000"/>
-                </a:schemeClr>
-              </a:solidFill>
-            </a:endParaRPr>
-          </a:p>
-        </p:txBody>
-      </p:sp>
-      <p:sp>
-        <p:nvSpPr>
-          <p:cNvPr id="4" name="Content Placeholder 3">
-            <a:extLst>
-              <a:ext uri="{FF2B5EF4-FFF2-40B4-BE49-F238E27FC236}">
-                <a16:creationId xmlns:a16="http://schemas.microsoft.com/office/drawing/2014/main" id="{5277E0D2-F6AC-4C8C-B709-63E141493B13}"/>
-              </a:ext>
-            </a:extLst>
-          </p:cNvPr>
-          <p:cNvSpPr>
-            <a:spLocks noGrp="1"/>
-          </p:cNvSpPr>
-          <p:nvPr>
-            <p:ph sz="half" idx="2"/>
-          </p:nvPr>
-        </p:nvSpPr>
-        <p:spPr>
-          <a:xfrm>
-            <a:off x="448965" y="1655520"/>
-            <a:ext cx="7329840" cy="2734409"/>
-          </a:xfrm>
-        </p:spPr>
-        <p:txBody>
-          <a:bodyPr/>
-          <a:lstStyle/>
-          <a:p>
-            <a:pPr algn="l"/>
-            <a:r>
-              <a:rPr lang="en-IN" sz="2400" b="0" strike="noStrike" spc="-1" dirty="0">
-                <a:latin typeface="Times New Roman" panose="02020603050405020304"/>
-              </a:rPr>
-              <a:t>Easy to Understand UI</a:t>
-            </a:r>
-          </a:p>
-          <a:p>
-            <a:pPr algn="l"/>
-            <a:r>
-              <a:rPr lang="en-IN" sz="2400" b="0" strike="noStrike" spc="-1" dirty="0">
-                <a:latin typeface="Times New Roman" panose="02020603050405020304"/>
-              </a:rPr>
-              <a:t>User Friendly Application</a:t>
-            </a:r>
-            <a:endParaRPr lang="en-IN" sz="2400" b="0" strike="noStrike" spc="-1" dirty="0">
-              <a:latin typeface="Arial" panose="020B0604020202020204"/>
-            </a:endParaRPr>
-          </a:p>
-          <a:p>
-            <a:pPr algn="l"/>
-            <a:r>
-              <a:rPr lang="en-IN" spc="-1" dirty="0">
-                <a:latin typeface="Times New Roman" panose="02020603050405020304"/>
-              </a:rPr>
-              <a:t>Faster and Easier access to the Institute Information</a:t>
-            </a:r>
-          </a:p>
-          <a:p>
-            <a:pPr algn="l"/>
-            <a:r>
-              <a:rPr lang="en-IN" dirty="0"/>
-              <a:t>Availability (24 X 7)</a:t>
-            </a:r>
-          </a:p>
-          <a:p>
-            <a:pPr algn="l"/>
-            <a:endParaRPr lang="en-IN" dirty="0"/>
-          </a:p>
-          <a:p>
-            <a:pPr algn="l"/>
-            <a:endParaRPr lang="en-IN" dirty="0"/>
-          </a:p>
-          <a:p>
-            <a:pPr algn="l"/>
-            <a:endParaRPr lang="en-IN" dirty="0"/>
-          </a:p>
-          <a:p>
-            <a:pPr algn="l"/>
-            <a:endParaRPr lang="en-IN" dirty="0"/>
-          </a:p>
-        </p:txBody>
-      </p:sp>
-    </p:spTree>
-    <p:extLst>
-      <p:ext uri="{BB962C8B-B14F-4D97-AF65-F5344CB8AC3E}">
-        <p14:creationId xmlns:p14="http://schemas.microsoft.com/office/powerpoint/2010/main" val="2311048782"/>
-      </p:ext>
-    </p:extLst>
-  </p:cSld>
-  <p:clrMapOvr>
-    <a:masterClrMapping/>
-  </p:clrMapOvr>
-</p:sld>
-</file>
-
-<file path=ppt/slides/slide6.xml><?xml version="1.0" encoding="utf-8"?>
-<p:sld xmlns:a="http://schemas.openxmlformats.org/drawingml/2006/main" xmlns:r="http://schemas.openxmlformats.org/officeDocument/2006/relationships" xmlns:p="http://schemas.openxmlformats.org/presentationml/2006/main">
-  <p:cSld>
-    <p:spTree>
-      <p:nvGrpSpPr>
-        <p:cNvPr id="1" name=""/>
-        <p:cNvGrpSpPr/>
-        <p:nvPr/>
-      </p:nvGrpSpPr>
-      <p:grpSpPr>
-        <a:xfrm>
-          <a:off x="0" y="0"/>
-          <a:ext cx="0" cy="0"/>
-          <a:chOff x="0" y="0"/>
-          <a:chExt cx="0" cy="0"/>
-        </a:xfrm>
-      </p:grpSpPr>
-      <p:sp>
-        <p:nvSpPr>
-          <p:cNvPr id="2" name="Title 1">
-            <a:extLst>
-              <a:ext uri="{FF2B5EF4-FFF2-40B4-BE49-F238E27FC236}">
                 <a16:creationId xmlns:a16="http://schemas.microsoft.com/office/drawing/2014/main" id="{4224259F-11F7-4669-999F-9AA5D1A015CD}"/>
               </a:ext>
             </a:extLst>
@@ -5704,7 +5579,7 @@
           <a:lstStyle/>
           <a:p>
             <a:r>
-              <a:rPr lang="en-IN" sz="2800" b="1" strike="noStrike" spc="-1" dirty="0">
+              <a:rPr lang="en-IN" sz="3200" b="1" strike="noStrike" spc="-1" dirty="0">
                 <a:solidFill>
                   <a:schemeClr val="tx2">
                     <a:lumMod val="75000"/>
@@ -5714,17 +5589,7 @@
               </a:rPr>
               <a:t>DATA FLOW CONTEXT-0 DIAGRAM</a:t>
             </a:r>
-            <a:br>
-              <a:rPr lang="en-IN" sz="2800" b="0" strike="noStrike" spc="-1" dirty="0">
-                <a:solidFill>
-                  <a:schemeClr val="tx2">
-                    <a:lumMod val="75000"/>
-                  </a:schemeClr>
-                </a:solidFill>
-                <a:latin typeface="Arial" panose="020B0604020202020204"/>
-              </a:rPr>
-            </a:br>
-            <a:endParaRPr lang="en-IN" sz="2800" dirty="0">
+            <a:endParaRPr lang="en-IN" sz="3200" dirty="0">
               <a:solidFill>
                 <a:schemeClr val="tx2">
                   <a:lumMod val="75000"/>
@@ -5786,7 +5651,7 @@
 </p:sld>
 </file>
 
-<file path=ppt/slides/slide7.xml><?xml version="1.0" encoding="utf-8"?>
+<file path=ppt/slides/slide6.xml><?xml version="1.0" encoding="utf-8"?>
 <p:sld xmlns:a="http://schemas.openxmlformats.org/drawingml/2006/main" xmlns:r="http://schemas.openxmlformats.org/officeDocument/2006/relationships" xmlns:p="http://schemas.openxmlformats.org/presentationml/2006/main">
   <p:cSld>
     <p:spTree>
@@ -5827,7 +5692,7 @@
           <a:lstStyle/>
           <a:p>
             <a:r>
-              <a:rPr lang="en-IN" sz="2800" b="1" strike="noStrike" spc="-1" dirty="0">
+              <a:rPr lang="en-IN" sz="3200" b="1" strike="noStrike" spc="-1" dirty="0">
                 <a:solidFill>
                   <a:schemeClr val="tx2">
                     <a:lumMod val="75000"/>
@@ -5837,17 +5702,7 @@
               </a:rPr>
               <a:t>DATA FLOW CONTEXT-1 DIAGRAM</a:t>
             </a:r>
-            <a:br>
-              <a:rPr lang="en-IN" sz="2800" b="0" strike="noStrike" spc="-1" dirty="0">
-                <a:solidFill>
-                  <a:schemeClr val="tx2">
-                    <a:lumMod val="75000"/>
-                  </a:schemeClr>
-                </a:solidFill>
-                <a:latin typeface="Arial" panose="020B0604020202020204"/>
-              </a:rPr>
-            </a:br>
-            <a:endParaRPr lang="en-IN" sz="2800" dirty="0">
+            <a:endParaRPr lang="en-IN" sz="3200" dirty="0">
               <a:solidFill>
                 <a:schemeClr val="tx2">
                   <a:lumMod val="75000"/>
@@ -5911,7 +5766,7 @@
 </p:sld>
 </file>
 
-<file path=ppt/slides/slide8.xml><?xml version="1.0" encoding="utf-8"?>
+<file path=ppt/slides/slide7.xml><?xml version="1.0" encoding="utf-8"?>
 <p:sld xmlns:a="http://schemas.openxmlformats.org/drawingml/2006/main" xmlns:r="http://schemas.openxmlformats.org/officeDocument/2006/relationships" xmlns:p="http://schemas.openxmlformats.org/presentationml/2006/main">
   <p:cSld>
     <p:spTree>
@@ -5952,7 +5807,7 @@
           <a:lstStyle/>
           <a:p>
             <a:r>
-              <a:rPr lang="en-IN" sz="2800" b="1" strike="noStrike" spc="-1" dirty="0">
+              <a:rPr lang="en-IN" sz="3200" b="1" strike="noStrike" spc="-1" dirty="0">
                 <a:solidFill>
                   <a:schemeClr val="tx2">
                     <a:lumMod val="75000"/>
@@ -5962,17 +5817,7 @@
               </a:rPr>
               <a:t>SEQUENCE DIAGRAM</a:t>
             </a:r>
-            <a:br>
-              <a:rPr lang="en-IN" sz="2800" b="0" strike="noStrike" spc="-1" dirty="0">
-                <a:solidFill>
-                  <a:schemeClr val="tx2">
-                    <a:lumMod val="75000"/>
-                  </a:schemeClr>
-                </a:solidFill>
-                <a:latin typeface="Arial" panose="020B0604020202020204"/>
-              </a:rPr>
-            </a:br>
-            <a:endParaRPr lang="en-IN" sz="2800" dirty="0">
+            <a:endParaRPr lang="en-IN" sz="3200" dirty="0">
               <a:solidFill>
                 <a:schemeClr val="tx2">
                   <a:lumMod val="75000"/>
@@ -6036,7 +5881,7 @@
 </p:sld>
 </file>
 
-<file path=ppt/slides/slide9.xml><?xml version="1.0" encoding="utf-8"?>
+<file path=ppt/slides/slide8.xml><?xml version="1.0" encoding="utf-8"?>
 <p:sld xmlns:a="http://schemas.openxmlformats.org/drawingml/2006/main" xmlns:r="http://schemas.openxmlformats.org/officeDocument/2006/relationships" xmlns:p="http://schemas.openxmlformats.org/presentationml/2006/main">
   <p:cSld>
     <p:spTree>
@@ -6071,7 +5916,7 @@
         </p:nvSpPr>
         <p:spPr>
           <a:xfrm>
-            <a:off x="448965" y="357526"/>
+            <a:off x="448965" y="586585"/>
             <a:ext cx="8246070" cy="763525"/>
           </a:xfrm>
         </p:spPr>
@@ -6082,7 +5927,7 @@
           <a:lstStyle/>
           <a:p>
             <a:r>
-              <a:rPr lang="en-IN" sz="2800" b="1" strike="noStrike" spc="-1" dirty="0">
+              <a:rPr lang="en-IN" sz="3200" b="1" strike="noStrike" spc="-1" dirty="0">
                 <a:solidFill>
                   <a:schemeClr val="tx2">
                     <a:lumMod val="75000"/>
@@ -6092,7 +5937,7 @@
               </a:rPr>
               <a:t>USE CASE DIAGRAM</a:t>
             </a:r>
-            <a:endParaRPr lang="en-IN" sz="2800" dirty="0">
+            <a:endParaRPr lang="en-IN" sz="3200" dirty="0">
               <a:solidFill>
                 <a:schemeClr val="tx2">
                   <a:lumMod val="75000"/>
@@ -6129,7 +5974,7 @@
         </p:blipFill>
         <p:spPr>
           <a:xfrm>
-            <a:off x="2313844" y="1121051"/>
+            <a:off x="2346263" y="1221640"/>
             <a:ext cx="4516312" cy="3793390"/>
           </a:xfrm>
           <a:prstGeom prst="rect">
@@ -6141,6 +5986,85 @@
     <p:extLst>
       <p:ext uri="{BB962C8B-B14F-4D97-AF65-F5344CB8AC3E}">
         <p14:creationId xmlns:p14="http://schemas.microsoft.com/office/powerpoint/2010/main" val="3729824339"/>
+      </p:ext>
+    </p:extLst>
+  </p:cSld>
+  <p:clrMapOvr>
+    <a:masterClrMapping/>
+  </p:clrMapOvr>
+</p:sld>
+</file>
+
+<file path=ppt/slides/slide9.xml><?xml version="1.0" encoding="utf-8"?>
+<p:sld xmlns:a="http://schemas.openxmlformats.org/drawingml/2006/main" xmlns:r="http://schemas.openxmlformats.org/officeDocument/2006/relationships" xmlns:p="http://schemas.openxmlformats.org/presentationml/2006/main">
+  <p:cSld>
+    <p:spTree>
+      <p:nvGrpSpPr>
+        <p:cNvPr id="1" name=""/>
+        <p:cNvGrpSpPr/>
+        <p:nvPr/>
+      </p:nvGrpSpPr>
+      <p:grpSpPr>
+        <a:xfrm>
+          <a:off x="0" y="0"/>
+          <a:ext cx="0" cy="0"/>
+          <a:chOff x="0" y="0"/>
+          <a:chExt cx="0" cy="0"/>
+        </a:xfrm>
+      </p:grpSpPr>
+      <p:sp>
+        <p:nvSpPr>
+          <p:cNvPr id="2" name="Title 1">
+            <a:extLst>
+              <a:ext uri="{FF2B5EF4-FFF2-40B4-BE49-F238E27FC236}">
+                <a16:creationId xmlns:a16="http://schemas.microsoft.com/office/drawing/2014/main" id="{3EE64FE3-2F24-4720-B6E3-C96F988066EE}"/>
+              </a:ext>
+            </a:extLst>
+          </p:cNvPr>
+          <p:cNvSpPr>
+            <a:spLocks noGrp="1"/>
+          </p:cNvSpPr>
+          <p:nvPr>
+            <p:ph type="title"/>
+          </p:nvPr>
+        </p:nvSpPr>
+        <p:spPr>
+          <a:xfrm>
+            <a:off x="448965" y="586585"/>
+            <a:ext cx="8398775" cy="763525"/>
+          </a:xfrm>
+        </p:spPr>
+        <p:txBody>
+          <a:bodyPr>
+            <a:normAutofit/>
+          </a:bodyPr>
+          <a:lstStyle/>
+          <a:p>
+            <a:r>
+              <a:rPr lang="en-IN" sz="3200" b="1" strike="noStrike" spc="-1" dirty="0">
+                <a:solidFill>
+                  <a:schemeClr val="tx2">
+                    <a:lumMod val="75000"/>
+                  </a:schemeClr>
+                </a:solidFill>
+                <a:latin typeface="Times New Roman" panose="02020603050405020304"/>
+              </a:rPr>
+              <a:t>Preview </a:t>
+            </a:r>
+            <a:endParaRPr lang="en-IN" sz="3200" dirty="0">
+              <a:solidFill>
+                <a:schemeClr val="tx2">
+                  <a:lumMod val="75000"/>
+                </a:schemeClr>
+              </a:solidFill>
+            </a:endParaRPr>
+          </a:p>
+        </p:txBody>
+      </p:sp>
+    </p:spTree>
+    <p:extLst>
+      <p:ext uri="{BB962C8B-B14F-4D97-AF65-F5344CB8AC3E}">
+        <p14:creationId xmlns:p14="http://schemas.microsoft.com/office/powerpoint/2010/main" val="3594574398"/>
       </p:ext>
     </p:extLst>
   </p:cSld>

--- a/Margdarshak_Presentation.pptx
+++ b/Margdarshak_Presentation.pptx
@@ -5,7 +5,7 @@
     <p:sldMasterId id="2147483648" r:id="rId1"/>
   </p:sldMasterIdLst>
   <p:notesMasterIdLst>
-    <p:notesMasterId r:id="rId15"/>
+    <p:notesMasterId r:id="rId16"/>
   </p:notesMasterIdLst>
   <p:sldIdLst>
     <p:sldId id="256" r:id="rId2"/>
@@ -14,13 +14,14 @@
     <p:sldId id="265" r:id="rId5"/>
     <p:sldId id="267" r:id="rId6"/>
     <p:sldId id="268" r:id="rId7"/>
-    <p:sldId id="269" r:id="rId8"/>
-    <p:sldId id="270" r:id="rId9"/>
-    <p:sldId id="271" r:id="rId10"/>
-    <p:sldId id="272" r:id="rId11"/>
-    <p:sldId id="273" r:id="rId12"/>
-    <p:sldId id="274" r:id="rId13"/>
-    <p:sldId id="275" r:id="rId14"/>
+    <p:sldId id="270" r:id="rId8"/>
+    <p:sldId id="276" r:id="rId9"/>
+    <p:sldId id="269" r:id="rId10"/>
+    <p:sldId id="271" r:id="rId11"/>
+    <p:sldId id="272" r:id="rId12"/>
+    <p:sldId id="273" r:id="rId13"/>
+    <p:sldId id="274" r:id="rId14"/>
+    <p:sldId id="275" r:id="rId15"/>
   </p:sldIdLst>
   <p:sldSz cx="9144000" cy="5143500" type="screen16x9"/>
   <p:notesSz cx="6858000" cy="9144000"/>
@@ -220,7 +221,7 @@
           <a:p>
             <a:fld id="{C8D18E60-4300-4729-A0D7-6AB984C3922D}" type="datetimeFigureOut">
               <a:rPr lang="en-US" smtClean="0"/>
-              <a:t>11/1/2020</a:t>
+              <a:t>11/4/2020</a:t>
             </a:fld>
             <a:endParaRPr lang="en-US"/>
           </a:p>
@@ -706,7 +707,7 @@
             <a:fld id="{53074F12-AA26-4AC8-9962-C36BB8F32554}" type="datetimeFigureOut">
               <a:rPr lang="en-US" smtClean="0"/>
               <a:pPr/>
-              <a:t>11/1/2020</a:t>
+              <a:t>11/4/2020</a:t>
             </a:fld>
             <a:endParaRPr lang="en-US"/>
           </a:p>
@@ -960,7 +961,7 @@
             <a:fld id="{53074F12-AA26-4AC8-9962-C36BB8F32554}" type="datetimeFigureOut">
               <a:rPr lang="en-US" smtClean="0"/>
               <a:pPr/>
-              <a:t>11/1/2020</a:t>
+              <a:t>11/4/2020</a:t>
             </a:fld>
             <a:endParaRPr lang="en-US"/>
           </a:p>
@@ -1130,7 +1131,7 @@
             <a:fld id="{53074F12-AA26-4AC8-9962-C36BB8F32554}" type="datetimeFigureOut">
               <a:rPr lang="en-US" smtClean="0"/>
               <a:pPr/>
-              <a:t>11/1/2020</a:t>
+              <a:t>11/4/2020</a:t>
             </a:fld>
             <a:endParaRPr lang="en-US"/>
           </a:p>
@@ -1310,7 +1311,7 @@
             <a:fld id="{53074F12-AA26-4AC8-9962-C36BB8F32554}" type="datetimeFigureOut">
               <a:rPr lang="en-US" smtClean="0"/>
               <a:pPr/>
-              <a:t>11/1/2020</a:t>
+              <a:t>11/4/2020</a:t>
             </a:fld>
             <a:endParaRPr lang="en-US"/>
           </a:p>
@@ -1592,7 +1593,7 @@
             <a:fld id="{53074F12-AA26-4AC8-9962-C36BB8F32554}" type="datetimeFigureOut">
               <a:rPr lang="en-US" smtClean="0"/>
               <a:pPr/>
-              <a:t>11/1/2020</a:t>
+              <a:t>11/4/2020</a:t>
             </a:fld>
             <a:endParaRPr lang="en-US"/>
           </a:p>
@@ -1839,7 +1840,7 @@
             <a:fld id="{53074F12-AA26-4AC8-9962-C36BB8F32554}" type="datetimeFigureOut">
               <a:rPr lang="en-US" smtClean="0"/>
               <a:pPr/>
-              <a:t>11/1/2020</a:t>
+              <a:t>11/4/2020</a:t>
             </a:fld>
             <a:endParaRPr lang="en-US"/>
           </a:p>
@@ -2086,7 +2087,7 @@
             <a:fld id="{53074F12-AA26-4AC8-9962-C36BB8F32554}" type="datetimeFigureOut">
               <a:rPr lang="en-US" smtClean="0"/>
               <a:pPr/>
-              <a:t>11/1/2020</a:t>
+              <a:t>11/4/2020</a:t>
             </a:fld>
             <a:endParaRPr lang="en-US"/>
           </a:p>
@@ -2373,7 +2374,7 @@
             <a:fld id="{53074F12-AA26-4AC8-9962-C36BB8F32554}" type="datetimeFigureOut">
               <a:rPr lang="en-US" smtClean="0"/>
               <a:pPr/>
-              <a:t>11/1/2020</a:t>
+              <a:t>11/4/2020</a:t>
             </a:fld>
             <a:endParaRPr lang="en-US"/>
           </a:p>
@@ -2860,7 +2861,7 @@
             <a:fld id="{53074F12-AA26-4AC8-9962-C36BB8F32554}" type="datetimeFigureOut">
               <a:rPr lang="en-US" smtClean="0"/>
               <a:pPr/>
-              <a:t>11/1/2020</a:t>
+              <a:t>11/4/2020</a:t>
             </a:fld>
             <a:endParaRPr lang="en-US"/>
           </a:p>
@@ -2979,7 +2980,7 @@
             <a:fld id="{53074F12-AA26-4AC8-9962-C36BB8F32554}" type="datetimeFigureOut">
               <a:rPr lang="en-US" smtClean="0"/>
               <a:pPr/>
-              <a:t>11/1/2020</a:t>
+              <a:t>11/4/2020</a:t>
             </a:fld>
             <a:endParaRPr lang="en-US"/>
           </a:p>
@@ -3076,7 +3077,7 @@
             <a:fld id="{53074F12-AA26-4AC8-9962-C36BB8F32554}" type="datetimeFigureOut">
               <a:rPr lang="en-US" smtClean="0"/>
               <a:pPr/>
-              <a:t>11/1/2020</a:t>
+              <a:t>11/4/2020</a:t>
             </a:fld>
             <a:endParaRPr lang="en-US"/>
           </a:p>
@@ -3353,7 +3354,7 @@
             <a:fld id="{53074F12-AA26-4AC8-9962-C36BB8F32554}" type="datetimeFigureOut">
               <a:rPr lang="en-US" smtClean="0"/>
               <a:pPr/>
-              <a:t>11/1/2020</a:t>
+              <a:t>11/4/2020</a:t>
             </a:fld>
             <a:endParaRPr lang="en-US"/>
           </a:p>
@@ -3575,7 +3576,7 @@
             <a:fld id="{53074F12-AA26-4AC8-9962-C36BB8F32554}" type="datetimeFigureOut">
               <a:rPr lang="en-US" smtClean="0"/>
               <a:pPr/>
-              <a:t>11/1/2020</a:t>
+              <a:t>11/4/2020</a:t>
             </a:fld>
             <a:endParaRPr lang="en-US"/>
           </a:p>
@@ -4206,7 +4207,7 @@
           <p:cNvPr id="2" name="Title 1">
             <a:extLst>
               <a:ext uri="{FF2B5EF4-FFF2-40B4-BE49-F238E27FC236}">
-                <a16:creationId xmlns:a16="http://schemas.microsoft.com/office/drawing/2014/main" id="{35EA1193-C87A-448B-8159-815D02559BAA}"/>
+                <a16:creationId xmlns:a16="http://schemas.microsoft.com/office/drawing/2014/main" id="{3EE64FE3-2F24-4720-B6E3-C96F988066EE}"/>
               </a:ext>
             </a:extLst>
           </p:cNvPr>
@@ -4220,12 +4221,12 @@
         <p:spPr>
           <a:xfrm>
             <a:off x="448965" y="586585"/>
-            <a:ext cx="8246070" cy="763525"/>
+            <a:ext cx="8398775" cy="763525"/>
           </a:xfrm>
         </p:spPr>
         <p:txBody>
           <a:bodyPr>
-            <a:noAutofit/>
+            <a:normAutofit/>
           </a:bodyPr>
           <a:lstStyle/>
           <a:p>
@@ -4238,7 +4239,7 @@
                 </a:solidFill>
                 <a:latin typeface="Times New Roman" panose="02020603050405020304"/>
               </a:rPr>
-              <a:t>FUTURE SCOPE</a:t>
+              <a:t>Preview </a:t>
             </a:r>
             <a:endParaRPr lang="en-IN" sz="3200" dirty="0">
               <a:solidFill>
@@ -4250,72 +4251,58 @@
           </a:p>
         </p:txBody>
       </p:sp>
-      <p:sp>
-        <p:nvSpPr>
-          <p:cNvPr id="4" name="Content Placeholder 3">
+      <p:pic>
+        <p:nvPicPr>
+          <p:cNvPr id="6" name="Picture 5">
             <a:extLst>
               <a:ext uri="{FF2B5EF4-FFF2-40B4-BE49-F238E27FC236}">
-                <a16:creationId xmlns:a16="http://schemas.microsoft.com/office/drawing/2014/main" id="{C7B84612-2AD2-4FFE-998F-AB52B021265F}"/>
+                <a16:creationId xmlns:a16="http://schemas.microsoft.com/office/drawing/2014/main" id="{0AB0AC68-E873-43B2-AC9C-1DF357BF4C7B}"/>
               </a:ext>
             </a:extLst>
           </p:cNvPr>
-          <p:cNvSpPr>
-            <a:spLocks noGrp="1"/>
-          </p:cNvSpPr>
-          <p:nvPr>
-            <p:ph sz="half" idx="2"/>
-          </p:nvPr>
-        </p:nvSpPr>
+          <p:cNvPicPr>
+            <a:picLocks noChangeAspect="1"/>
+          </p:cNvPicPr>
+          <p:nvPr/>
+        </p:nvPicPr>
+        <p:blipFill>
+          <a:blip r:embed="rId2" cstate="print">
+            <a:extLst>
+              <a:ext uri="{28A0092B-C50C-407E-A947-70E740481C1C}">
+                <a14:useLocalDpi xmlns:a14="http://schemas.microsoft.com/office/drawing/2010/main" val="0"/>
+              </a:ext>
+            </a:extLst>
+          </a:blip>
+          <a:stretch>
+            <a:fillRect/>
+          </a:stretch>
+        </p:blipFill>
         <p:spPr>
           <a:xfrm>
-            <a:off x="508673" y="1655520"/>
-            <a:ext cx="7700041" cy="2290576"/>
+            <a:off x="3503064" y="179276"/>
+            <a:ext cx="2290576" cy="4784948"/>
           </a:xfrm>
+          <a:prstGeom prst="rect">
+            <a:avLst/>
+          </a:prstGeom>
+          <a:ln>
+            <a:solidFill>
+              <a:schemeClr val="tx1"/>
+            </a:solidFill>
+          </a:ln>
+          <a:effectLst>
+            <a:outerShdw blurRad="50800" dist="38100" dir="2700000" algn="tl" rotWithShape="0">
+              <a:prstClr val="black">
+                <a:alpha val="40000"/>
+              </a:prstClr>
+            </a:outerShdw>
+          </a:effectLst>
         </p:spPr>
-        <p:txBody>
-          <a:bodyPr/>
-          <a:lstStyle/>
-          <a:p>
-            <a:pPr algn="l"/>
-            <a:r>
-              <a:rPr lang="en-IN" dirty="0"/>
-              <a:t>AI Chatbot can be implemented </a:t>
-            </a:r>
-          </a:p>
-          <a:p>
-            <a:pPr algn="l"/>
-            <a:r>
-              <a:rPr lang="en-IN" dirty="0"/>
-              <a:t>Voice Assistance</a:t>
-            </a:r>
-          </a:p>
-          <a:p>
-            <a:pPr algn="l"/>
-            <a:r>
-              <a:rPr lang="en-IN" dirty="0"/>
-              <a:t>UI improvements for fluid interaction</a:t>
-            </a:r>
-          </a:p>
-          <a:p>
-            <a:pPr algn="l"/>
-            <a:r>
-              <a:rPr lang="en-IN" dirty="0"/>
-              <a:t>Optimize System for Better Performance</a:t>
-            </a:r>
-          </a:p>
-          <a:p>
-            <a:pPr algn="l"/>
-            <a:r>
-              <a:rPr lang="en-IN" dirty="0"/>
-              <a:t>Desktop &amp; IOS Application implementation</a:t>
-            </a:r>
-          </a:p>
-        </p:txBody>
-      </p:sp>
+      </p:pic>
     </p:spTree>
     <p:extLst>
       <p:ext uri="{BB962C8B-B14F-4D97-AF65-F5344CB8AC3E}">
-        <p14:creationId xmlns:p14="http://schemas.microsoft.com/office/powerpoint/2010/main" val="1421654409"/>
+        <p14:creationId xmlns:p14="http://schemas.microsoft.com/office/powerpoint/2010/main" val="3594574398"/>
       </p:ext>
     </p:extLst>
   </p:cSld>
@@ -4344,10 +4331,10 @@
       </p:grpSpPr>
       <p:sp>
         <p:nvSpPr>
-          <p:cNvPr id="4" name="Content Placeholder 3">
+          <p:cNvPr id="2" name="Title 1">
             <a:extLst>
               <a:ext uri="{FF2B5EF4-FFF2-40B4-BE49-F238E27FC236}">
-                <a16:creationId xmlns:a16="http://schemas.microsoft.com/office/drawing/2014/main" id="{C44C344D-03E4-4B1D-8E2A-919D3A0AF41C}"/>
+                <a16:creationId xmlns:a16="http://schemas.microsoft.com/office/drawing/2014/main" id="{35EA1193-C87A-448B-8159-815D02559BAA}"/>
               </a:ext>
             </a:extLst>
           </p:cNvPr>
@@ -4355,119 +4342,21 @@
             <a:spLocks noGrp="1"/>
           </p:cNvSpPr>
           <p:nvPr>
-            <p:ph sz="half" idx="2"/>
-          </p:nvPr>
-        </p:nvSpPr>
-        <p:spPr>
-          <a:xfrm>
-            <a:off x="541714" y="1517097"/>
-            <a:ext cx="4040188" cy="2276294"/>
-          </a:xfrm>
-        </p:spPr>
-        <p:txBody>
-          <a:bodyPr>
-            <a:normAutofit fontScale="92500" lnSpcReduction="10000"/>
-          </a:bodyPr>
-          <a:lstStyle/>
-          <a:p>
-            <a:pPr algn="l"/>
-            <a:r>
-              <a:rPr lang="en-US" dirty="0"/>
-              <a:t>Android Studio</a:t>
-            </a:r>
-          </a:p>
-          <a:p>
-            <a:pPr algn="l"/>
-            <a:r>
-              <a:rPr lang="en-US" dirty="0"/>
-              <a:t>Java</a:t>
-            </a:r>
-          </a:p>
-          <a:p>
-            <a:pPr algn="l"/>
-            <a:r>
-              <a:rPr lang="en-US" dirty="0"/>
-              <a:t>Php</a:t>
-            </a:r>
-          </a:p>
-          <a:p>
-            <a:pPr algn="l"/>
-            <a:r>
-              <a:rPr lang="en-US" dirty="0"/>
-              <a:t>MySQL</a:t>
-            </a:r>
-          </a:p>
-          <a:p>
-            <a:pPr algn="l"/>
-            <a:r>
-              <a:rPr lang="en-US" dirty="0"/>
-              <a:t>Adobe </a:t>
-            </a:r>
-            <a:r>
-              <a:rPr lang="en-US" dirty="0" err="1"/>
-              <a:t>PhotoShop</a:t>
-            </a:r>
-            <a:r>
-              <a:rPr lang="en-US" dirty="0"/>
-              <a:t> </a:t>
-            </a:r>
-          </a:p>
-          <a:p>
-            <a:pPr algn="l"/>
-            <a:r>
-              <a:rPr lang="en-US" dirty="0"/>
-              <a:t>Adobe XD</a:t>
-            </a:r>
-            <a:endParaRPr lang="en-IN" dirty="0"/>
-          </a:p>
-        </p:txBody>
-      </p:sp>
-      <p:sp>
-        <p:nvSpPr>
-          <p:cNvPr id="6" name="Title 1">
-            <a:extLst>
-              <a:ext uri="{FF2B5EF4-FFF2-40B4-BE49-F238E27FC236}">
-                <a16:creationId xmlns:a16="http://schemas.microsoft.com/office/drawing/2014/main" id="{ED701AD7-B65E-4CEB-AE9D-CDF39B3BE09A}"/>
-              </a:ext>
-            </a:extLst>
-          </p:cNvPr>
-          <p:cNvSpPr>
-            <a:spLocks noGrp="1"/>
-          </p:cNvSpPr>
-          <p:nvPr>
             <p:ph type="title"/>
           </p:nvPr>
         </p:nvSpPr>
         <p:spPr>
           <a:xfrm>
             <a:off x="448965" y="586585"/>
-            <a:ext cx="8398775" cy="763525"/>
+            <a:ext cx="8246070" cy="763525"/>
           </a:xfrm>
         </p:spPr>
         <p:txBody>
           <a:bodyPr>
-            <a:normAutofit/>
+            <a:noAutofit/>
           </a:bodyPr>
           <a:lstStyle/>
           <a:p>
-            <a:r>
-              <a:rPr lang="en-IN" sz="3200" b="1" kern="1200" spc="-1" baseline="0" dirty="0">
-                <a:solidFill>
-                  <a:srgbClr val="17375E"/>
-                </a:solidFill>
-                <a:effectLst>
-                  <a:outerShdw blurRad="50800" dist="38100" dir="2700000" algn="tl" rotWithShape="0">
-                    <a:srgbClr val="000000">
-                      <a:alpha val="40000"/>
-                    </a:srgbClr>
-                  </a:outerShdw>
-                </a:effectLst>
-                <a:latin typeface="Times New Roman" panose="02020603050405020304" pitchFamily="18" charset="0"/>
-                <a:ea typeface="+mj-ea"/>
-                <a:cs typeface="+mj-cs"/>
-              </a:rPr>
-              <a:t>TECHNOLOGIES USED</a:t>
-            </a:r>
             <a:r>
               <a:rPr lang="en-IN" sz="3200" b="1" strike="noStrike" spc="-1" dirty="0">
                 <a:solidFill>
@@ -4477,7 +4366,7 @@
                 </a:solidFill>
                 <a:latin typeface="Times New Roman" panose="02020603050405020304"/>
               </a:rPr>
-              <a:t> </a:t>
+              <a:t>FUTURE SCOPE</a:t>
             </a:r>
             <a:endParaRPr lang="en-IN" sz="3200" dirty="0">
               <a:solidFill>
@@ -4489,10 +4378,72 @@
           </a:p>
         </p:txBody>
       </p:sp>
+      <p:sp>
+        <p:nvSpPr>
+          <p:cNvPr id="4" name="Content Placeholder 3">
+            <a:extLst>
+              <a:ext uri="{FF2B5EF4-FFF2-40B4-BE49-F238E27FC236}">
+                <a16:creationId xmlns:a16="http://schemas.microsoft.com/office/drawing/2014/main" id="{C7B84612-2AD2-4FFE-998F-AB52B021265F}"/>
+              </a:ext>
+            </a:extLst>
+          </p:cNvPr>
+          <p:cNvSpPr>
+            <a:spLocks noGrp="1"/>
+          </p:cNvSpPr>
+          <p:nvPr>
+            <p:ph sz="half" idx="2"/>
+          </p:nvPr>
+        </p:nvSpPr>
+        <p:spPr>
+          <a:xfrm>
+            <a:off x="508673" y="1655520"/>
+            <a:ext cx="7700041" cy="2290576"/>
+          </a:xfrm>
+        </p:spPr>
+        <p:txBody>
+          <a:bodyPr/>
+          <a:lstStyle/>
+          <a:p>
+            <a:pPr algn="l"/>
+            <a:r>
+              <a:rPr lang="en-IN" dirty="0"/>
+              <a:t>AI Chatbot can be implemented </a:t>
+            </a:r>
+          </a:p>
+          <a:p>
+            <a:pPr algn="l"/>
+            <a:r>
+              <a:rPr lang="en-IN" dirty="0"/>
+              <a:t>Voice Assistance</a:t>
+            </a:r>
+          </a:p>
+          <a:p>
+            <a:pPr algn="l"/>
+            <a:r>
+              <a:rPr lang="en-IN" dirty="0"/>
+              <a:t>UI improvements for fluid interaction</a:t>
+            </a:r>
+          </a:p>
+          <a:p>
+            <a:pPr algn="l"/>
+            <a:r>
+              <a:rPr lang="en-IN" dirty="0"/>
+              <a:t>Optimize System for Better Performance</a:t>
+            </a:r>
+          </a:p>
+          <a:p>
+            <a:pPr algn="l"/>
+            <a:r>
+              <a:rPr lang="en-IN" dirty="0"/>
+              <a:t>Desktop &amp; IOS Application implementation</a:t>
+            </a:r>
+          </a:p>
+        </p:txBody>
+      </p:sp>
     </p:spTree>
     <p:extLst>
       <p:ext uri="{BB962C8B-B14F-4D97-AF65-F5344CB8AC3E}">
-        <p14:creationId xmlns:p14="http://schemas.microsoft.com/office/powerpoint/2010/main" val="821193931"/>
+        <p14:creationId xmlns:p14="http://schemas.microsoft.com/office/powerpoint/2010/main" val="1421654409"/>
       </p:ext>
     </p:extLst>
   </p:cSld>
@@ -4524,6 +4475,183 @@
           <p:cNvPr id="4" name="Content Placeholder 3">
             <a:extLst>
               <a:ext uri="{FF2B5EF4-FFF2-40B4-BE49-F238E27FC236}">
+                <a16:creationId xmlns:a16="http://schemas.microsoft.com/office/drawing/2014/main" id="{C44C344D-03E4-4B1D-8E2A-919D3A0AF41C}"/>
+              </a:ext>
+            </a:extLst>
+          </p:cNvPr>
+          <p:cNvSpPr>
+            <a:spLocks noGrp="1"/>
+          </p:cNvSpPr>
+          <p:nvPr>
+            <p:ph sz="half" idx="2"/>
+          </p:nvPr>
+        </p:nvSpPr>
+        <p:spPr>
+          <a:xfrm>
+            <a:off x="541714" y="1517097"/>
+            <a:ext cx="4040188" cy="2276294"/>
+          </a:xfrm>
+        </p:spPr>
+        <p:txBody>
+          <a:bodyPr>
+            <a:normAutofit fontScale="92500" lnSpcReduction="10000"/>
+          </a:bodyPr>
+          <a:lstStyle/>
+          <a:p>
+            <a:pPr algn="l"/>
+            <a:r>
+              <a:rPr lang="en-US" dirty="0"/>
+              <a:t>Android Studio</a:t>
+            </a:r>
+          </a:p>
+          <a:p>
+            <a:pPr algn="l"/>
+            <a:r>
+              <a:rPr lang="en-US" dirty="0"/>
+              <a:t>Java</a:t>
+            </a:r>
+          </a:p>
+          <a:p>
+            <a:pPr algn="l"/>
+            <a:r>
+              <a:rPr lang="en-US" dirty="0"/>
+              <a:t>Php</a:t>
+            </a:r>
+          </a:p>
+          <a:p>
+            <a:pPr algn="l"/>
+            <a:r>
+              <a:rPr lang="en-US" dirty="0"/>
+              <a:t>MySQL</a:t>
+            </a:r>
+          </a:p>
+          <a:p>
+            <a:pPr algn="l"/>
+            <a:r>
+              <a:rPr lang="en-US" dirty="0"/>
+              <a:t>Adobe </a:t>
+            </a:r>
+            <a:r>
+              <a:rPr lang="en-US" dirty="0" err="1"/>
+              <a:t>PhotoShop</a:t>
+            </a:r>
+            <a:r>
+              <a:rPr lang="en-US" dirty="0"/>
+              <a:t> </a:t>
+            </a:r>
+          </a:p>
+          <a:p>
+            <a:pPr algn="l"/>
+            <a:r>
+              <a:rPr lang="en-US" dirty="0"/>
+              <a:t>Adobe XD</a:t>
+            </a:r>
+            <a:endParaRPr lang="en-IN" dirty="0"/>
+          </a:p>
+        </p:txBody>
+      </p:sp>
+      <p:sp>
+        <p:nvSpPr>
+          <p:cNvPr id="6" name="Title 1">
+            <a:extLst>
+              <a:ext uri="{FF2B5EF4-FFF2-40B4-BE49-F238E27FC236}">
+                <a16:creationId xmlns:a16="http://schemas.microsoft.com/office/drawing/2014/main" id="{ED701AD7-B65E-4CEB-AE9D-CDF39B3BE09A}"/>
+              </a:ext>
+            </a:extLst>
+          </p:cNvPr>
+          <p:cNvSpPr>
+            <a:spLocks noGrp="1"/>
+          </p:cNvSpPr>
+          <p:nvPr>
+            <p:ph type="title"/>
+          </p:nvPr>
+        </p:nvSpPr>
+        <p:spPr>
+          <a:xfrm>
+            <a:off x="448965" y="586585"/>
+            <a:ext cx="8398775" cy="763525"/>
+          </a:xfrm>
+        </p:spPr>
+        <p:txBody>
+          <a:bodyPr>
+            <a:normAutofit/>
+          </a:bodyPr>
+          <a:lstStyle/>
+          <a:p>
+            <a:r>
+              <a:rPr lang="en-IN" sz="3200" b="1" kern="1200" spc="-1" baseline="0" dirty="0">
+                <a:solidFill>
+                  <a:srgbClr val="17375E"/>
+                </a:solidFill>
+                <a:effectLst>
+                  <a:outerShdw blurRad="50800" dist="38100" dir="2700000" algn="tl" rotWithShape="0">
+                    <a:srgbClr val="000000">
+                      <a:alpha val="40000"/>
+                    </a:srgbClr>
+                  </a:outerShdw>
+                </a:effectLst>
+                <a:latin typeface="Times New Roman" panose="02020603050405020304" pitchFamily="18" charset="0"/>
+                <a:ea typeface="+mj-ea"/>
+                <a:cs typeface="+mj-cs"/>
+              </a:rPr>
+              <a:t>TECHNOLOGIES USED</a:t>
+            </a:r>
+            <a:r>
+              <a:rPr lang="en-IN" sz="3200" b="1" strike="noStrike" spc="-1" dirty="0">
+                <a:solidFill>
+                  <a:schemeClr val="tx2">
+                    <a:lumMod val="75000"/>
+                  </a:schemeClr>
+                </a:solidFill>
+                <a:latin typeface="Times New Roman" panose="02020603050405020304"/>
+              </a:rPr>
+              <a:t> </a:t>
+            </a:r>
+            <a:endParaRPr lang="en-IN" sz="3200" dirty="0">
+              <a:solidFill>
+                <a:schemeClr val="tx2">
+                  <a:lumMod val="75000"/>
+                </a:schemeClr>
+              </a:solidFill>
+            </a:endParaRPr>
+          </a:p>
+        </p:txBody>
+      </p:sp>
+    </p:spTree>
+    <p:extLst>
+      <p:ext uri="{BB962C8B-B14F-4D97-AF65-F5344CB8AC3E}">
+        <p14:creationId xmlns:p14="http://schemas.microsoft.com/office/powerpoint/2010/main" val="821193931"/>
+      </p:ext>
+    </p:extLst>
+  </p:cSld>
+  <p:clrMapOvr>
+    <a:masterClrMapping/>
+  </p:clrMapOvr>
+</p:sld>
+</file>
+
+<file path=ppt/slides/slide13.xml><?xml version="1.0" encoding="utf-8"?>
+<p:sld xmlns:a="http://schemas.openxmlformats.org/drawingml/2006/main" xmlns:r="http://schemas.openxmlformats.org/officeDocument/2006/relationships" xmlns:p="http://schemas.openxmlformats.org/presentationml/2006/main">
+  <p:cSld>
+    <p:spTree>
+      <p:nvGrpSpPr>
+        <p:cNvPr id="1" name=""/>
+        <p:cNvGrpSpPr/>
+        <p:nvPr/>
+      </p:nvGrpSpPr>
+      <p:grpSpPr>
+        <a:xfrm>
+          <a:off x="0" y="0"/>
+          <a:ext cx="0" cy="0"/>
+          <a:chOff x="0" y="0"/>
+          <a:chExt cx="0" cy="0"/>
+        </a:xfrm>
+      </p:grpSpPr>
+      <p:sp>
+        <p:nvSpPr>
+          <p:cNvPr id="4" name="Content Placeholder 3">
+            <a:extLst>
+              <a:ext uri="{FF2B5EF4-FFF2-40B4-BE49-F238E27FC236}">
                 <a16:creationId xmlns:a16="http://schemas.microsoft.com/office/drawing/2014/main" id="{58F65FD4-3611-4C19-8917-43BB4D17315A}"/>
               </a:ext>
             </a:extLst>
@@ -4551,100 +4679,108 @@
               <a:buNone/>
             </a:pPr>
             <a:r>
-              <a:rPr lang="en-IN" sz="8000" dirty="0"/>
+              <a:rPr lang="en-IN" sz="7200" dirty="0"/>
               <a:t>Dictionary:</a:t>
             </a:r>
           </a:p>
           <a:p>
             <a:pPr algn="l"/>
             <a:r>
-              <a:rPr lang="en-IN" sz="8000" dirty="0">
+              <a:rPr lang="en-IN" sz="7200" dirty="0">
                 <a:hlinkClick r:id="rId2"/>
               </a:rPr>
               <a:t>https://translate.google.co.in/</a:t>
             </a:r>
-            <a:endParaRPr lang="en-IN" sz="8000" dirty="0"/>
+            <a:endParaRPr lang="en-IN" sz="7200" dirty="0"/>
           </a:p>
           <a:p>
             <a:pPr algn="l"/>
             <a:r>
-              <a:rPr lang="en-IN" sz="8000" dirty="0">
+              <a:rPr lang="en-IN" sz="7200" dirty="0">
                 <a:hlinkClick r:id="rId3"/>
               </a:rPr>
               <a:t>https://www.grammarly.com/</a:t>
             </a:r>
-            <a:endParaRPr lang="en-IN" sz="8000" dirty="0"/>
+            <a:endParaRPr lang="en-IN" sz="7200" dirty="0"/>
           </a:p>
           <a:p>
             <a:pPr algn="l"/>
-            <a:endParaRPr lang="en-IN" sz="8000" dirty="0"/>
+            <a:endParaRPr lang="en-IN" sz="7200" dirty="0"/>
           </a:p>
           <a:p>
             <a:pPr marL="0" indent="0" algn="l">
               <a:buNone/>
             </a:pPr>
             <a:r>
-              <a:rPr lang="en-IN" sz="8000" dirty="0"/>
-              <a:t>Diagrams :</a:t>
+              <a:rPr lang="en-IN" sz="7200" dirty="0"/>
+              <a:t>Diagrams:</a:t>
             </a:r>
           </a:p>
           <a:p>
             <a:pPr algn="l"/>
             <a:r>
-              <a:rPr lang="en-IN" sz="8000" dirty="0">
+              <a:rPr lang="en-IN" sz="7200" dirty="0">
                 <a:hlinkClick r:id="rId4"/>
               </a:rPr>
               <a:t>https://app.diagrams.net/</a:t>
             </a:r>
             <a:r>
-              <a:rPr lang="en-IN" sz="8000" dirty="0"/>
+              <a:rPr lang="en-IN" sz="7200" dirty="0"/>
               <a:t> (Draw.io)</a:t>
             </a:r>
+          </a:p>
+          <a:p>
+            <a:pPr algn="l"/>
+            <a:r>
+              <a:rPr lang="en-IN" sz="7200" dirty="0">
+                <a:hlinkClick r:id="rId5"/>
+              </a:rPr>
+              <a:t>https://www.freepik.com/</a:t>
+            </a:r>
+            <a:endParaRPr lang="en-IN" sz="7200" dirty="0"/>
+          </a:p>
+          <a:p>
+            <a:pPr algn="l"/>
+            <a:endParaRPr lang="en-IN" sz="7200" dirty="0"/>
           </a:p>
           <a:p>
             <a:pPr marL="0" indent="0" algn="l">
               <a:buNone/>
             </a:pPr>
-            <a:endParaRPr lang="en-IN" sz="8000" dirty="0"/>
-          </a:p>
-          <a:p>
-            <a:pPr marL="0" indent="0" algn="l">
-              <a:buNone/>
-            </a:pPr>
-            <a:r>
-              <a:rPr lang="en-IN" sz="8000" dirty="0"/>
+            <a:r>
+              <a:rPr lang="en-IN" sz="7200" dirty="0"/>
               <a:t>Content:</a:t>
             </a:r>
           </a:p>
           <a:p>
             <a:pPr algn="l"/>
             <a:r>
-              <a:rPr lang="en-IN" sz="8000" dirty="0">
-                <a:hlinkClick r:id="rId5"/>
+              <a:rPr lang="en-IN" sz="7200" dirty="0">
+                <a:hlinkClick r:id="rId6"/>
               </a:rPr>
               <a:t>https://www.geeksforgeeks.org/</a:t>
             </a:r>
-            <a:endParaRPr lang="en-IN" sz="8000" dirty="0"/>
+            <a:endParaRPr lang="en-IN" sz="7200" dirty="0"/>
           </a:p>
           <a:p>
             <a:pPr algn="l"/>
             <a:r>
-              <a:rPr lang="en-IN" sz="8000" dirty="0">
-                <a:hlinkClick r:id="rId6"/>
+              <a:rPr lang="en-IN" sz="7200" dirty="0">
+                <a:hlinkClick r:id="rId7"/>
               </a:rPr>
               <a:t>https://www.wikipedia.org/</a:t>
             </a:r>
-            <a:endParaRPr lang="en-IN" sz="8000" dirty="0"/>
+            <a:endParaRPr lang="en-IN" sz="7200" dirty="0"/>
           </a:p>
           <a:p>
             <a:pPr algn="l"/>
             <a:r>
-              <a:rPr lang="en-IN" sz="8000" dirty="0">
-                <a:hlinkClick r:id="rId7"/>
+              <a:rPr lang="en-IN" sz="7200" dirty="0">
+                <a:hlinkClick r:id="rId8"/>
               </a:rPr>
               <a:t>https://www.javatpoint.com/</a:t>
             </a:r>
-            <a:endParaRPr lang="en-IN" sz="8000" dirty="0"/>
+            <a:endParaRPr lang="en-IN" sz="7200" dirty="0"/>
           </a:p>
           <a:p>
             <a:pPr algn="l"/>
@@ -4721,7 +4857,7 @@
 </p:sld>
 </file>
 
-<file path=ppt/slides/slide13.xml><?xml version="1.0" encoding="utf-8"?>
+<file path=ppt/slides/slide14.xml><?xml version="1.0" encoding="utf-8"?>
 <p:sld xmlns:a="http://schemas.openxmlformats.org/drawingml/2006/main" xmlns:r="http://schemas.openxmlformats.org/officeDocument/2006/relationships" xmlns:p="http://schemas.openxmlformats.org/presentationml/2006/main">
   <p:cSld>
     <p:spTree>
@@ -5788,121 +5924,6 @@
           <p:cNvPr id="2" name="Title 1">
             <a:extLst>
               <a:ext uri="{FF2B5EF4-FFF2-40B4-BE49-F238E27FC236}">
-                <a16:creationId xmlns:a16="http://schemas.microsoft.com/office/drawing/2014/main" id="{E6FDC5C7-DCBE-42F9-A1B7-970E02A6C935}"/>
-              </a:ext>
-            </a:extLst>
-          </p:cNvPr>
-          <p:cNvSpPr>
-            <a:spLocks noGrp="1"/>
-          </p:cNvSpPr>
-          <p:nvPr>
-            <p:ph type="title"/>
-          </p:nvPr>
-        </p:nvSpPr>
-        <p:spPr/>
-        <p:txBody>
-          <a:bodyPr>
-            <a:noAutofit/>
-          </a:bodyPr>
-          <a:lstStyle/>
-          <a:p>
-            <a:r>
-              <a:rPr lang="en-IN" sz="3200" b="1" strike="noStrike" spc="-1" dirty="0">
-                <a:solidFill>
-                  <a:schemeClr val="tx2">
-                    <a:lumMod val="75000"/>
-                  </a:schemeClr>
-                </a:solidFill>
-                <a:latin typeface="Times New Roman" panose="02020603050405020304"/>
-              </a:rPr>
-              <a:t>SEQUENCE DIAGRAM</a:t>
-            </a:r>
-            <a:endParaRPr lang="en-IN" sz="3200" dirty="0">
-              <a:solidFill>
-                <a:schemeClr val="tx2">
-                  <a:lumMod val="75000"/>
-                </a:schemeClr>
-              </a:solidFill>
-            </a:endParaRPr>
-          </a:p>
-        </p:txBody>
-      </p:sp>
-      <p:pic>
-        <p:nvPicPr>
-          <p:cNvPr id="7" name="Picture 6">
-            <a:extLst>
-              <a:ext uri="{FF2B5EF4-FFF2-40B4-BE49-F238E27FC236}">
-                <a16:creationId xmlns:a16="http://schemas.microsoft.com/office/drawing/2014/main" id="{B81C1A4D-7FF7-4726-93FA-BD5A62171540}"/>
-              </a:ext>
-            </a:extLst>
-          </p:cNvPr>
-          <p:cNvPicPr>
-            <a:picLocks noChangeAspect="1"/>
-          </p:cNvPicPr>
-          <p:nvPr/>
-        </p:nvPicPr>
-        <p:blipFill>
-          <a:blip r:embed="rId2">
-            <a:extLst>
-              <a:ext uri="{28A0092B-C50C-407E-A947-70E740481C1C}">
-                <a14:useLocalDpi xmlns:a14="http://schemas.microsoft.com/office/drawing/2010/main" val="0"/>
-              </a:ext>
-            </a:extLst>
-          </a:blip>
-          <a:srcRect/>
-          <a:stretch>
-            <a:fillRect/>
-          </a:stretch>
-        </p:blipFill>
-        <p:spPr bwMode="auto">
-          <a:xfrm>
-            <a:off x="2128720" y="1203263"/>
-            <a:ext cx="4733855" cy="3659062"/>
-          </a:xfrm>
-          <a:prstGeom prst="rect">
-            <a:avLst/>
-          </a:prstGeom>
-          <a:noFill/>
-          <a:ln>
-            <a:noFill/>
-          </a:ln>
-        </p:spPr>
-      </p:pic>
-    </p:spTree>
-    <p:extLst>
-      <p:ext uri="{BB962C8B-B14F-4D97-AF65-F5344CB8AC3E}">
-        <p14:creationId xmlns:p14="http://schemas.microsoft.com/office/powerpoint/2010/main" val="3759491381"/>
-      </p:ext>
-    </p:extLst>
-  </p:cSld>
-  <p:clrMapOvr>
-    <a:masterClrMapping/>
-  </p:clrMapOvr>
-</p:sld>
-</file>
-
-<file path=ppt/slides/slide8.xml><?xml version="1.0" encoding="utf-8"?>
-<p:sld xmlns:a="http://schemas.openxmlformats.org/drawingml/2006/main" xmlns:r="http://schemas.openxmlformats.org/officeDocument/2006/relationships" xmlns:p="http://schemas.openxmlformats.org/presentationml/2006/main">
-  <p:cSld>
-    <p:spTree>
-      <p:nvGrpSpPr>
-        <p:cNvPr id="1" name=""/>
-        <p:cNvGrpSpPr/>
-        <p:nvPr/>
-      </p:nvGrpSpPr>
-      <p:grpSpPr>
-        <a:xfrm>
-          <a:off x="0" y="0"/>
-          <a:ext cx="0" cy="0"/>
-          <a:chOff x="0" y="0"/>
-          <a:chExt cx="0" cy="0"/>
-        </a:xfrm>
-      </p:grpSpPr>
-      <p:sp>
-        <p:nvSpPr>
-          <p:cNvPr id="2" name="Title 1">
-            <a:extLst>
-              <a:ext uri="{FF2B5EF4-FFF2-40B4-BE49-F238E27FC236}">
                 <a16:creationId xmlns:a16="http://schemas.microsoft.com/office/drawing/2014/main" id="{EDD9DAE9-3FE7-4039-98E7-9E869E32BAE5}"/>
               </a:ext>
             </a:extLst>
@@ -5995,6 +6016,115 @@
 </p:sld>
 </file>
 
+<file path=ppt/slides/slide8.xml><?xml version="1.0" encoding="utf-8"?>
+<p:sld xmlns:a="http://schemas.openxmlformats.org/drawingml/2006/main" xmlns:r="http://schemas.openxmlformats.org/officeDocument/2006/relationships" xmlns:p="http://schemas.openxmlformats.org/presentationml/2006/main">
+  <p:cSld>
+    <p:spTree>
+      <p:nvGrpSpPr>
+        <p:cNvPr id="1" name=""/>
+        <p:cNvGrpSpPr/>
+        <p:nvPr/>
+      </p:nvGrpSpPr>
+      <p:grpSpPr>
+        <a:xfrm>
+          <a:off x="0" y="0"/>
+          <a:ext cx="0" cy="0"/>
+          <a:chOff x="0" y="0"/>
+          <a:chExt cx="0" cy="0"/>
+        </a:xfrm>
+      </p:grpSpPr>
+      <p:sp>
+        <p:nvSpPr>
+          <p:cNvPr id="2" name="Title 1">
+            <a:extLst>
+              <a:ext uri="{FF2B5EF4-FFF2-40B4-BE49-F238E27FC236}">
+                <a16:creationId xmlns:a16="http://schemas.microsoft.com/office/drawing/2014/main" id="{1154B45E-BAAB-4381-8EDC-F33142A10939}"/>
+              </a:ext>
+            </a:extLst>
+          </p:cNvPr>
+          <p:cNvSpPr>
+            <a:spLocks noGrp="1"/>
+          </p:cNvSpPr>
+          <p:nvPr>
+            <p:ph type="title"/>
+          </p:nvPr>
+        </p:nvSpPr>
+        <p:spPr/>
+        <p:txBody>
+          <a:bodyPr>
+            <a:normAutofit/>
+          </a:bodyPr>
+          <a:lstStyle/>
+          <a:p>
+            <a:r>
+              <a:rPr lang="en-IN" sz="3200" b="1" dirty="0">
+                <a:solidFill>
+                  <a:schemeClr val="tx2">
+                    <a:lumMod val="75000"/>
+                  </a:schemeClr>
+                </a:solidFill>
+                <a:latin typeface="Times New Roman" panose="02020603050405020304" pitchFamily="18" charset="0"/>
+                <a:cs typeface="Times New Roman" panose="02020603050405020304" pitchFamily="18" charset="0"/>
+              </a:rPr>
+              <a:t>ACTIVITY DIAGRAM</a:t>
+            </a:r>
+          </a:p>
+        </p:txBody>
+      </p:sp>
+      <p:pic>
+        <p:nvPicPr>
+          <p:cNvPr id="7" name="Picture 6">
+            <a:extLst>
+              <a:ext uri="{FF2B5EF4-FFF2-40B4-BE49-F238E27FC236}">
+                <a16:creationId xmlns:a16="http://schemas.microsoft.com/office/drawing/2014/main" id="{24C6C803-1EEC-4A94-BE8D-0016DC6E640B}"/>
+              </a:ext>
+            </a:extLst>
+          </p:cNvPr>
+          <p:cNvPicPr>
+            <a:picLocks noChangeAspect="1"/>
+          </p:cNvPicPr>
+          <p:nvPr/>
+        </p:nvPicPr>
+        <p:blipFill>
+          <a:blip r:embed="rId2">
+            <a:extLst>
+              <a:ext uri="{28A0092B-C50C-407E-A947-70E740481C1C}">
+                <a14:useLocalDpi xmlns:a14="http://schemas.microsoft.com/office/drawing/2010/main" val="0"/>
+              </a:ext>
+            </a:extLst>
+          </a:blip>
+          <a:srcRect/>
+          <a:stretch>
+            <a:fillRect/>
+          </a:stretch>
+        </p:blipFill>
+        <p:spPr bwMode="auto">
+          <a:xfrm>
+            <a:off x="3000024" y="1197405"/>
+            <a:ext cx="3143952" cy="3911041"/>
+          </a:xfrm>
+          <a:prstGeom prst="rect">
+            <a:avLst/>
+          </a:prstGeom>
+          <a:noFill/>
+          <a:ln>
+            <a:noFill/>
+          </a:ln>
+        </p:spPr>
+      </p:pic>
+    </p:spTree>
+    <p:extLst>
+      <p:ext uri="{BB962C8B-B14F-4D97-AF65-F5344CB8AC3E}">
+        <p14:creationId xmlns:p14="http://schemas.microsoft.com/office/powerpoint/2010/main" val="619710173"/>
+      </p:ext>
+    </p:extLst>
+  </p:cSld>
+  <p:clrMapOvr>
+    <a:masterClrMapping/>
+  </p:clrMapOvr>
+</p:sld>
+</file>
+
 <file path=ppt/slides/slide9.xml><?xml version="1.0" encoding="utf-8"?>
 <p:sld xmlns:a="http://schemas.openxmlformats.org/drawingml/2006/main" xmlns:r="http://schemas.openxmlformats.org/officeDocument/2006/relationships" xmlns:p="http://schemas.openxmlformats.org/presentationml/2006/main">
   <p:cSld>
@@ -6017,7 +6147,7 @@
           <p:cNvPr id="2" name="Title 1">
             <a:extLst>
               <a:ext uri="{FF2B5EF4-FFF2-40B4-BE49-F238E27FC236}">
-                <a16:creationId xmlns:a16="http://schemas.microsoft.com/office/drawing/2014/main" id="{3EE64FE3-2F24-4720-B6E3-C96F988066EE}"/>
+                <a16:creationId xmlns:a16="http://schemas.microsoft.com/office/drawing/2014/main" id="{E6FDC5C7-DCBE-42F9-A1B7-970E02A6C935}"/>
               </a:ext>
             </a:extLst>
           </p:cNvPr>
@@ -6028,15 +6158,10 @@
             <p:ph type="title"/>
           </p:nvPr>
         </p:nvSpPr>
-        <p:spPr>
-          <a:xfrm>
-            <a:off x="448965" y="586585"/>
-            <a:ext cx="8398775" cy="763525"/>
-          </a:xfrm>
-        </p:spPr>
+        <p:spPr/>
         <p:txBody>
           <a:bodyPr>
-            <a:normAutofit/>
+            <a:noAutofit/>
           </a:bodyPr>
           <a:lstStyle/>
           <a:p>
@@ -6049,7 +6174,7 @@
                 </a:solidFill>
                 <a:latin typeface="Times New Roman" panose="02020603050405020304"/>
               </a:rPr>
-              <a:t>Preview </a:t>
+              <a:t>SEQUENCE DIAGRAM</a:t>
             </a:r>
             <a:endParaRPr lang="en-IN" sz="3200" dirty="0">
               <a:solidFill>
@@ -6061,10 +6186,51 @@
           </a:p>
         </p:txBody>
       </p:sp>
+      <p:pic>
+        <p:nvPicPr>
+          <p:cNvPr id="7" name="Picture 6">
+            <a:extLst>
+              <a:ext uri="{FF2B5EF4-FFF2-40B4-BE49-F238E27FC236}">
+                <a16:creationId xmlns:a16="http://schemas.microsoft.com/office/drawing/2014/main" id="{B81C1A4D-7FF7-4726-93FA-BD5A62171540}"/>
+              </a:ext>
+            </a:extLst>
+          </p:cNvPr>
+          <p:cNvPicPr>
+            <a:picLocks noChangeAspect="1"/>
+          </p:cNvPicPr>
+          <p:nvPr/>
+        </p:nvPicPr>
+        <p:blipFill>
+          <a:blip r:embed="rId2">
+            <a:extLst>
+              <a:ext uri="{28A0092B-C50C-407E-A947-70E740481C1C}">
+                <a14:useLocalDpi xmlns:a14="http://schemas.microsoft.com/office/drawing/2010/main" val="0"/>
+              </a:ext>
+            </a:extLst>
+          </a:blip>
+          <a:srcRect/>
+          <a:stretch>
+            <a:fillRect/>
+          </a:stretch>
+        </p:blipFill>
+        <p:spPr bwMode="auto">
+          <a:xfrm>
+            <a:off x="2128720" y="1203263"/>
+            <a:ext cx="4733855" cy="3659062"/>
+          </a:xfrm>
+          <a:prstGeom prst="rect">
+            <a:avLst/>
+          </a:prstGeom>
+          <a:noFill/>
+          <a:ln>
+            <a:noFill/>
+          </a:ln>
+        </p:spPr>
+      </p:pic>
     </p:spTree>
     <p:extLst>
       <p:ext uri="{BB962C8B-B14F-4D97-AF65-F5344CB8AC3E}">
-        <p14:creationId xmlns:p14="http://schemas.microsoft.com/office/powerpoint/2010/main" val="3594574398"/>
+        <p14:creationId xmlns:p14="http://schemas.microsoft.com/office/powerpoint/2010/main" val="3759491381"/>
       </p:ext>
     </p:extLst>
   </p:cSld>

--- a/Margdarshak_Presentation.pptx
+++ b/Margdarshak_Presentation.pptx
@@ -5,7 +5,7 @@
     <p:sldMasterId id="2147483648" r:id="rId1"/>
   </p:sldMasterIdLst>
   <p:notesMasterIdLst>
-    <p:notesMasterId r:id="rId16"/>
+    <p:notesMasterId r:id="rId15"/>
   </p:notesMasterIdLst>
   <p:sldIdLst>
     <p:sldId id="256" r:id="rId2"/>
@@ -20,8 +20,7 @@
     <p:sldId id="271" r:id="rId11"/>
     <p:sldId id="272" r:id="rId12"/>
     <p:sldId id="273" r:id="rId13"/>
-    <p:sldId id="274" r:id="rId14"/>
-    <p:sldId id="275" r:id="rId15"/>
+    <p:sldId id="275" r:id="rId14"/>
   </p:sldIdLst>
   <p:sldSz cx="9144000" cy="5143500" type="screen16x9"/>
   <p:notesSz cx="6858000" cy="9144000"/>
@@ -221,7 +220,7 @@
           <a:p>
             <a:fld id="{C8D18E60-4300-4729-A0D7-6AB984C3922D}" type="datetimeFigureOut">
               <a:rPr lang="en-US" smtClean="0"/>
-              <a:t>11/4/2020</a:t>
+              <a:t>11/5/2020</a:t>
             </a:fld>
             <a:endParaRPr lang="en-US"/>
           </a:p>
@@ -707,7 +706,7 @@
             <a:fld id="{53074F12-AA26-4AC8-9962-C36BB8F32554}" type="datetimeFigureOut">
               <a:rPr lang="en-US" smtClean="0"/>
               <a:pPr/>
-              <a:t>11/4/2020</a:t>
+              <a:t>11/5/2020</a:t>
             </a:fld>
             <a:endParaRPr lang="en-US"/>
           </a:p>
@@ -961,7 +960,7 @@
             <a:fld id="{53074F12-AA26-4AC8-9962-C36BB8F32554}" type="datetimeFigureOut">
               <a:rPr lang="en-US" smtClean="0"/>
               <a:pPr/>
-              <a:t>11/4/2020</a:t>
+              <a:t>11/5/2020</a:t>
             </a:fld>
             <a:endParaRPr lang="en-US"/>
           </a:p>
@@ -1131,7 +1130,7 @@
             <a:fld id="{53074F12-AA26-4AC8-9962-C36BB8F32554}" type="datetimeFigureOut">
               <a:rPr lang="en-US" smtClean="0"/>
               <a:pPr/>
-              <a:t>11/4/2020</a:t>
+              <a:t>11/5/2020</a:t>
             </a:fld>
             <a:endParaRPr lang="en-US"/>
           </a:p>
@@ -1311,7 +1310,7 @@
             <a:fld id="{53074F12-AA26-4AC8-9962-C36BB8F32554}" type="datetimeFigureOut">
               <a:rPr lang="en-US" smtClean="0"/>
               <a:pPr/>
-              <a:t>11/4/2020</a:t>
+              <a:t>11/5/2020</a:t>
             </a:fld>
             <a:endParaRPr lang="en-US"/>
           </a:p>
@@ -1593,7 +1592,7 @@
             <a:fld id="{53074F12-AA26-4AC8-9962-C36BB8F32554}" type="datetimeFigureOut">
               <a:rPr lang="en-US" smtClean="0"/>
               <a:pPr/>
-              <a:t>11/4/2020</a:t>
+              <a:t>11/5/2020</a:t>
             </a:fld>
             <a:endParaRPr lang="en-US"/>
           </a:p>
@@ -1840,7 +1839,7 @@
             <a:fld id="{53074F12-AA26-4AC8-9962-C36BB8F32554}" type="datetimeFigureOut">
               <a:rPr lang="en-US" smtClean="0"/>
               <a:pPr/>
-              <a:t>11/4/2020</a:t>
+              <a:t>11/5/2020</a:t>
             </a:fld>
             <a:endParaRPr lang="en-US"/>
           </a:p>
@@ -2087,7 +2086,7 @@
             <a:fld id="{53074F12-AA26-4AC8-9962-C36BB8F32554}" type="datetimeFigureOut">
               <a:rPr lang="en-US" smtClean="0"/>
               <a:pPr/>
-              <a:t>11/4/2020</a:t>
+              <a:t>11/5/2020</a:t>
             </a:fld>
             <a:endParaRPr lang="en-US"/>
           </a:p>
@@ -2374,7 +2373,7 @@
             <a:fld id="{53074F12-AA26-4AC8-9962-C36BB8F32554}" type="datetimeFigureOut">
               <a:rPr lang="en-US" smtClean="0"/>
               <a:pPr/>
-              <a:t>11/4/2020</a:t>
+              <a:t>11/5/2020</a:t>
             </a:fld>
             <a:endParaRPr lang="en-US"/>
           </a:p>
@@ -2861,7 +2860,7 @@
             <a:fld id="{53074F12-AA26-4AC8-9962-C36BB8F32554}" type="datetimeFigureOut">
               <a:rPr lang="en-US" smtClean="0"/>
               <a:pPr/>
-              <a:t>11/4/2020</a:t>
+              <a:t>11/5/2020</a:t>
             </a:fld>
             <a:endParaRPr lang="en-US"/>
           </a:p>
@@ -2980,7 +2979,7 @@
             <a:fld id="{53074F12-AA26-4AC8-9962-C36BB8F32554}" type="datetimeFigureOut">
               <a:rPr lang="en-US" smtClean="0"/>
               <a:pPr/>
-              <a:t>11/4/2020</a:t>
+              <a:t>11/5/2020</a:t>
             </a:fld>
             <a:endParaRPr lang="en-US"/>
           </a:p>
@@ -3077,7 +3076,7 @@
             <a:fld id="{53074F12-AA26-4AC8-9962-C36BB8F32554}" type="datetimeFigureOut">
               <a:rPr lang="en-US" smtClean="0"/>
               <a:pPr/>
-              <a:t>11/4/2020</a:t>
+              <a:t>11/5/2020</a:t>
             </a:fld>
             <a:endParaRPr lang="en-US"/>
           </a:p>
@@ -3354,7 +3353,7 @@
             <a:fld id="{53074F12-AA26-4AC8-9962-C36BB8F32554}" type="datetimeFigureOut">
               <a:rPr lang="en-US" smtClean="0"/>
               <a:pPr/>
-              <a:t>11/4/2020</a:t>
+              <a:t>11/5/2020</a:t>
             </a:fld>
             <a:endParaRPr lang="en-US"/>
           </a:p>
@@ -3576,7 +3575,7 @@
             <a:fld id="{53074F12-AA26-4AC8-9962-C36BB8F32554}" type="datetimeFigureOut">
               <a:rPr lang="en-US" smtClean="0"/>
               <a:pPr/>
-              <a:t>11/4/2020</a:t>
+              <a:t>11/5/2020</a:t>
             </a:fld>
             <a:endParaRPr lang="en-US"/>
           </a:p>
@@ -4494,7 +4493,7 @@
         </p:spPr>
         <p:txBody>
           <a:bodyPr>
-            <a:normAutofit fontScale="92500" lnSpcReduction="10000"/>
+            <a:normAutofit/>
           </a:bodyPr>
           <a:lstStyle/>
           <a:p>
@@ -4532,21 +4531,10 @@
               <a:t>Adobe </a:t>
             </a:r>
             <a:r>
-              <a:rPr lang="en-US" dirty="0" err="1"/>
-              <a:t>PhotoShop</a:t>
-            </a:r>
-            <a:r>
-              <a:rPr lang="en-US" dirty="0"/>
-              <a:t> </a:t>
-            </a:r>
-          </a:p>
-          <a:p>
-            <a:pPr algn="l"/>
-            <a:r>
-              <a:rPr lang="en-US" dirty="0"/>
-              <a:t>Adobe XD</a:t>
-            </a:r>
-            <a:endParaRPr lang="en-IN" dirty="0"/>
+              <a:rPr lang="en-IN" dirty="0"/>
+              <a:t>Creative Cloud </a:t>
+            </a:r>
+            <a:endParaRPr lang="en-US" dirty="0"/>
           </a:p>
         </p:txBody>
       </p:sp>
@@ -4631,233 +4619,6 @@
 </file>
 
 <file path=ppt/slides/slide13.xml><?xml version="1.0" encoding="utf-8"?>
-<p:sld xmlns:a="http://schemas.openxmlformats.org/drawingml/2006/main" xmlns:r="http://schemas.openxmlformats.org/officeDocument/2006/relationships" xmlns:p="http://schemas.openxmlformats.org/presentationml/2006/main">
-  <p:cSld>
-    <p:spTree>
-      <p:nvGrpSpPr>
-        <p:cNvPr id="1" name=""/>
-        <p:cNvGrpSpPr/>
-        <p:nvPr/>
-      </p:nvGrpSpPr>
-      <p:grpSpPr>
-        <a:xfrm>
-          <a:off x="0" y="0"/>
-          <a:ext cx="0" cy="0"/>
-          <a:chOff x="0" y="0"/>
-          <a:chExt cx="0" cy="0"/>
-        </a:xfrm>
-      </p:grpSpPr>
-      <p:sp>
-        <p:nvSpPr>
-          <p:cNvPr id="4" name="Content Placeholder 3">
-            <a:extLst>
-              <a:ext uri="{FF2B5EF4-FFF2-40B4-BE49-F238E27FC236}">
-                <a16:creationId xmlns:a16="http://schemas.microsoft.com/office/drawing/2014/main" id="{58F65FD4-3611-4C19-8917-43BB4D17315A}"/>
-              </a:ext>
-            </a:extLst>
-          </p:cNvPr>
-          <p:cNvSpPr>
-            <a:spLocks noGrp="1"/>
-          </p:cNvSpPr>
-          <p:nvPr>
-            <p:ph sz="half" idx="2"/>
-          </p:nvPr>
-        </p:nvSpPr>
-        <p:spPr>
-          <a:xfrm>
-            <a:off x="448965" y="1478576"/>
-            <a:ext cx="7700041" cy="3383749"/>
-          </a:xfrm>
-        </p:spPr>
-        <p:txBody>
-          <a:bodyPr>
-            <a:normAutofit fontScale="25000" lnSpcReduction="20000"/>
-          </a:bodyPr>
-          <a:lstStyle/>
-          <a:p>
-            <a:pPr marL="0" indent="0" algn="l">
-              <a:buNone/>
-            </a:pPr>
-            <a:r>
-              <a:rPr lang="en-IN" sz="7200" dirty="0"/>
-              <a:t>Dictionary:</a:t>
-            </a:r>
-          </a:p>
-          <a:p>
-            <a:pPr algn="l"/>
-            <a:r>
-              <a:rPr lang="en-IN" sz="7200" dirty="0">
-                <a:hlinkClick r:id="rId2"/>
-              </a:rPr>
-              <a:t>https://translate.google.co.in/</a:t>
-            </a:r>
-            <a:endParaRPr lang="en-IN" sz="7200" dirty="0"/>
-          </a:p>
-          <a:p>
-            <a:pPr algn="l"/>
-            <a:r>
-              <a:rPr lang="en-IN" sz="7200" dirty="0">
-                <a:hlinkClick r:id="rId3"/>
-              </a:rPr>
-              <a:t>https://www.grammarly.com/</a:t>
-            </a:r>
-            <a:endParaRPr lang="en-IN" sz="7200" dirty="0"/>
-          </a:p>
-          <a:p>
-            <a:pPr algn="l"/>
-            <a:endParaRPr lang="en-IN" sz="7200" dirty="0"/>
-          </a:p>
-          <a:p>
-            <a:pPr marL="0" indent="0" algn="l">
-              <a:buNone/>
-            </a:pPr>
-            <a:r>
-              <a:rPr lang="en-IN" sz="7200" dirty="0"/>
-              <a:t>Diagrams:</a:t>
-            </a:r>
-          </a:p>
-          <a:p>
-            <a:pPr algn="l"/>
-            <a:r>
-              <a:rPr lang="en-IN" sz="7200" dirty="0">
-                <a:hlinkClick r:id="rId4"/>
-              </a:rPr>
-              <a:t>https://app.diagrams.net/</a:t>
-            </a:r>
-            <a:r>
-              <a:rPr lang="en-IN" sz="7200" dirty="0"/>
-              <a:t> (Draw.io)</a:t>
-            </a:r>
-          </a:p>
-          <a:p>
-            <a:pPr algn="l"/>
-            <a:r>
-              <a:rPr lang="en-IN" sz="7200" dirty="0">
-                <a:hlinkClick r:id="rId5"/>
-              </a:rPr>
-              <a:t>https://www.freepik.com/</a:t>
-            </a:r>
-            <a:endParaRPr lang="en-IN" sz="7200" dirty="0"/>
-          </a:p>
-          <a:p>
-            <a:pPr algn="l"/>
-            <a:endParaRPr lang="en-IN" sz="7200" dirty="0"/>
-          </a:p>
-          <a:p>
-            <a:pPr marL="0" indent="0" algn="l">
-              <a:buNone/>
-            </a:pPr>
-            <a:r>
-              <a:rPr lang="en-IN" sz="7200" dirty="0"/>
-              <a:t>Content:</a:t>
-            </a:r>
-          </a:p>
-          <a:p>
-            <a:pPr algn="l"/>
-            <a:r>
-              <a:rPr lang="en-IN" sz="7200" dirty="0">
-                <a:hlinkClick r:id="rId6"/>
-              </a:rPr>
-              <a:t>https://www.geeksforgeeks.org/</a:t>
-            </a:r>
-            <a:endParaRPr lang="en-IN" sz="7200" dirty="0"/>
-          </a:p>
-          <a:p>
-            <a:pPr algn="l"/>
-            <a:r>
-              <a:rPr lang="en-IN" sz="7200" dirty="0">
-                <a:hlinkClick r:id="rId7"/>
-              </a:rPr>
-              <a:t>https://www.wikipedia.org/</a:t>
-            </a:r>
-            <a:endParaRPr lang="en-IN" sz="7200" dirty="0"/>
-          </a:p>
-          <a:p>
-            <a:pPr algn="l"/>
-            <a:r>
-              <a:rPr lang="en-IN" sz="7200" dirty="0">
-                <a:hlinkClick r:id="rId8"/>
-              </a:rPr>
-              <a:t>https://www.javatpoint.com/</a:t>
-            </a:r>
-            <a:endParaRPr lang="en-IN" sz="7200" dirty="0"/>
-          </a:p>
-          <a:p>
-            <a:pPr algn="l"/>
-            <a:endParaRPr lang="en-IN" dirty="0"/>
-          </a:p>
-        </p:txBody>
-      </p:sp>
-      <p:sp>
-        <p:nvSpPr>
-          <p:cNvPr id="6" name="Title 1">
-            <a:extLst>
-              <a:ext uri="{FF2B5EF4-FFF2-40B4-BE49-F238E27FC236}">
-                <a16:creationId xmlns:a16="http://schemas.microsoft.com/office/drawing/2014/main" id="{55EE506D-FEAC-4A20-A0E7-5B58CC01FB2C}"/>
-              </a:ext>
-            </a:extLst>
-          </p:cNvPr>
-          <p:cNvSpPr>
-            <a:spLocks noGrp="1"/>
-          </p:cNvSpPr>
-          <p:nvPr>
-            <p:ph type="title"/>
-          </p:nvPr>
-        </p:nvSpPr>
-        <p:spPr>
-          <a:xfrm>
-            <a:off x="448965" y="586585"/>
-            <a:ext cx="8398775" cy="763525"/>
-          </a:xfrm>
-        </p:spPr>
-        <p:txBody>
-          <a:bodyPr>
-            <a:normAutofit/>
-          </a:bodyPr>
-          <a:lstStyle/>
-          <a:p>
-            <a:r>
-              <a:rPr lang="en-IN" sz="3200" b="1" kern="1200" spc="-1" baseline="0" dirty="0">
-                <a:solidFill>
-                  <a:srgbClr val="17375E"/>
-                </a:solidFill>
-                <a:effectLst>
-                  <a:outerShdw blurRad="50800" dist="38100" dir="2700000" algn="tl" rotWithShape="0">
-                    <a:srgbClr val="000000">
-                      <a:alpha val="40000"/>
-                    </a:srgbClr>
-                  </a:outerShdw>
-                </a:effectLst>
-                <a:latin typeface="Times New Roman" panose="02020603050405020304" pitchFamily="18" charset="0"/>
-                <a:ea typeface="+mj-ea"/>
-                <a:cs typeface="+mj-cs"/>
-              </a:rPr>
-              <a:t>References</a:t>
-            </a:r>
-            <a:endParaRPr lang="en-IN" sz="3200" dirty="0">
-              <a:solidFill>
-                <a:schemeClr val="tx2">
-                  <a:lumMod val="75000"/>
-                </a:schemeClr>
-              </a:solidFill>
-            </a:endParaRPr>
-          </a:p>
-        </p:txBody>
-      </p:sp>
-    </p:spTree>
-    <p:extLst>
-      <p:ext uri="{BB962C8B-B14F-4D97-AF65-F5344CB8AC3E}">
-        <p14:creationId xmlns:p14="http://schemas.microsoft.com/office/powerpoint/2010/main" val="3428359003"/>
-      </p:ext>
-    </p:extLst>
-  </p:cSld>
-  <p:clrMapOvr>
-    <a:masterClrMapping/>
-  </p:clrMapOvr>
-</p:sld>
-</file>
-
-<file path=ppt/slides/slide14.xml><?xml version="1.0" encoding="utf-8"?>
 <p:sld xmlns:a="http://schemas.openxmlformats.org/drawingml/2006/main" xmlns:r="http://schemas.openxmlformats.org/officeDocument/2006/relationships" xmlns:p="http://schemas.openxmlformats.org/presentationml/2006/main">
   <p:cSld>
     <p:spTree>

--- a/Margdarshak_Presentation.pptx
+++ b/Margdarshak_Presentation.pptx
@@ -12,14 +12,14 @@
     <p:sldId id="261" r:id="rId3"/>
     <p:sldId id="263" r:id="rId4"/>
     <p:sldId id="265" r:id="rId5"/>
-    <p:sldId id="267" r:id="rId6"/>
-    <p:sldId id="268" r:id="rId7"/>
-    <p:sldId id="270" r:id="rId8"/>
-    <p:sldId id="276" r:id="rId9"/>
-    <p:sldId id="269" r:id="rId10"/>
-    <p:sldId id="271" r:id="rId11"/>
-    <p:sldId id="272" r:id="rId12"/>
-    <p:sldId id="273" r:id="rId13"/>
+    <p:sldId id="273" r:id="rId6"/>
+    <p:sldId id="267" r:id="rId7"/>
+    <p:sldId id="268" r:id="rId8"/>
+    <p:sldId id="270" r:id="rId9"/>
+    <p:sldId id="276" r:id="rId10"/>
+    <p:sldId id="269" r:id="rId11"/>
+    <p:sldId id="271" r:id="rId12"/>
+    <p:sldId id="272" r:id="rId13"/>
     <p:sldId id="275" r:id="rId14"/>
   </p:sldIdLst>
   <p:sldSz cx="9144000" cy="5143500" type="screen16x9"/>
@@ -220,7 +220,7 @@
           <a:p>
             <a:fld id="{C8D18E60-4300-4729-A0D7-6AB984C3922D}" type="datetimeFigureOut">
               <a:rPr lang="en-US" smtClean="0"/>
-              <a:t>11/5/2020</a:t>
+              <a:t>11/6/2020</a:t>
             </a:fld>
             <a:endParaRPr lang="en-US"/>
           </a:p>
@@ -706,7 +706,7 @@
             <a:fld id="{53074F12-AA26-4AC8-9962-C36BB8F32554}" type="datetimeFigureOut">
               <a:rPr lang="en-US" smtClean="0"/>
               <a:pPr/>
-              <a:t>11/5/2020</a:t>
+              <a:t>11/6/2020</a:t>
             </a:fld>
             <a:endParaRPr lang="en-US"/>
           </a:p>
@@ -960,7 +960,7 @@
             <a:fld id="{53074F12-AA26-4AC8-9962-C36BB8F32554}" type="datetimeFigureOut">
               <a:rPr lang="en-US" smtClean="0"/>
               <a:pPr/>
-              <a:t>11/5/2020</a:t>
+              <a:t>11/6/2020</a:t>
             </a:fld>
             <a:endParaRPr lang="en-US"/>
           </a:p>
@@ -1130,7 +1130,7 @@
             <a:fld id="{53074F12-AA26-4AC8-9962-C36BB8F32554}" type="datetimeFigureOut">
               <a:rPr lang="en-US" smtClean="0"/>
               <a:pPr/>
-              <a:t>11/5/2020</a:t>
+              <a:t>11/6/2020</a:t>
             </a:fld>
             <a:endParaRPr lang="en-US"/>
           </a:p>
@@ -1310,7 +1310,7 @@
             <a:fld id="{53074F12-AA26-4AC8-9962-C36BB8F32554}" type="datetimeFigureOut">
               <a:rPr lang="en-US" smtClean="0"/>
               <a:pPr/>
-              <a:t>11/5/2020</a:t>
+              <a:t>11/6/2020</a:t>
             </a:fld>
             <a:endParaRPr lang="en-US"/>
           </a:p>
@@ -1592,7 +1592,7 @@
             <a:fld id="{53074F12-AA26-4AC8-9962-C36BB8F32554}" type="datetimeFigureOut">
               <a:rPr lang="en-US" smtClean="0"/>
               <a:pPr/>
-              <a:t>11/5/2020</a:t>
+              <a:t>11/6/2020</a:t>
             </a:fld>
             <a:endParaRPr lang="en-US"/>
           </a:p>
@@ -1839,7 +1839,7 @@
             <a:fld id="{53074F12-AA26-4AC8-9962-C36BB8F32554}" type="datetimeFigureOut">
               <a:rPr lang="en-US" smtClean="0"/>
               <a:pPr/>
-              <a:t>11/5/2020</a:t>
+              <a:t>11/6/2020</a:t>
             </a:fld>
             <a:endParaRPr lang="en-US"/>
           </a:p>
@@ -2086,7 +2086,7 @@
             <a:fld id="{53074F12-AA26-4AC8-9962-C36BB8F32554}" type="datetimeFigureOut">
               <a:rPr lang="en-US" smtClean="0"/>
               <a:pPr/>
-              <a:t>11/5/2020</a:t>
+              <a:t>11/6/2020</a:t>
             </a:fld>
             <a:endParaRPr lang="en-US"/>
           </a:p>
@@ -2373,7 +2373,7 @@
             <a:fld id="{53074F12-AA26-4AC8-9962-C36BB8F32554}" type="datetimeFigureOut">
               <a:rPr lang="en-US" smtClean="0"/>
               <a:pPr/>
-              <a:t>11/5/2020</a:t>
+              <a:t>11/6/2020</a:t>
             </a:fld>
             <a:endParaRPr lang="en-US"/>
           </a:p>
@@ -2860,7 +2860,7 @@
             <a:fld id="{53074F12-AA26-4AC8-9962-C36BB8F32554}" type="datetimeFigureOut">
               <a:rPr lang="en-US" smtClean="0"/>
               <a:pPr/>
-              <a:t>11/5/2020</a:t>
+              <a:t>11/6/2020</a:t>
             </a:fld>
             <a:endParaRPr lang="en-US"/>
           </a:p>
@@ -2979,7 +2979,7 @@
             <a:fld id="{53074F12-AA26-4AC8-9962-C36BB8F32554}" type="datetimeFigureOut">
               <a:rPr lang="en-US" smtClean="0"/>
               <a:pPr/>
-              <a:t>11/5/2020</a:t>
+              <a:t>11/6/2020</a:t>
             </a:fld>
             <a:endParaRPr lang="en-US"/>
           </a:p>
@@ -3076,7 +3076,7 @@
             <a:fld id="{53074F12-AA26-4AC8-9962-C36BB8F32554}" type="datetimeFigureOut">
               <a:rPr lang="en-US" smtClean="0"/>
               <a:pPr/>
-              <a:t>11/5/2020</a:t>
+              <a:t>11/6/2020</a:t>
             </a:fld>
             <a:endParaRPr lang="en-US"/>
           </a:p>
@@ -3353,7 +3353,7 @@
             <a:fld id="{53074F12-AA26-4AC8-9962-C36BB8F32554}" type="datetimeFigureOut">
               <a:rPr lang="en-US" smtClean="0"/>
               <a:pPr/>
-              <a:t>11/5/2020</a:t>
+              <a:t>11/6/2020</a:t>
             </a:fld>
             <a:endParaRPr lang="en-US"/>
           </a:p>
@@ -3575,7 +3575,7 @@
             <a:fld id="{53074F12-AA26-4AC8-9962-C36BB8F32554}" type="datetimeFigureOut">
               <a:rPr lang="en-US" smtClean="0"/>
               <a:pPr/>
-              <a:t>11/5/2020</a:t>
+              <a:t>11/6/2020</a:t>
             </a:fld>
             <a:endParaRPr lang="en-US"/>
           </a:p>
@@ -4206,6 +4206,121 @@
           <p:cNvPr id="2" name="Title 1">
             <a:extLst>
               <a:ext uri="{FF2B5EF4-FFF2-40B4-BE49-F238E27FC236}">
+                <a16:creationId xmlns:a16="http://schemas.microsoft.com/office/drawing/2014/main" id="{E6FDC5C7-DCBE-42F9-A1B7-970E02A6C935}"/>
+              </a:ext>
+            </a:extLst>
+          </p:cNvPr>
+          <p:cNvSpPr>
+            <a:spLocks noGrp="1"/>
+          </p:cNvSpPr>
+          <p:nvPr>
+            <p:ph type="title"/>
+          </p:nvPr>
+        </p:nvSpPr>
+        <p:spPr/>
+        <p:txBody>
+          <a:bodyPr>
+            <a:noAutofit/>
+          </a:bodyPr>
+          <a:lstStyle/>
+          <a:p>
+            <a:r>
+              <a:rPr lang="en-IN" sz="3200" b="1" strike="noStrike" spc="-1" dirty="0">
+                <a:solidFill>
+                  <a:schemeClr val="tx2">
+                    <a:lumMod val="75000"/>
+                  </a:schemeClr>
+                </a:solidFill>
+                <a:latin typeface="Times New Roman" panose="02020603050405020304"/>
+              </a:rPr>
+              <a:t>SEQUENCE DIAGRAM</a:t>
+            </a:r>
+            <a:endParaRPr lang="en-IN" sz="3200" dirty="0">
+              <a:solidFill>
+                <a:schemeClr val="tx2">
+                  <a:lumMod val="75000"/>
+                </a:schemeClr>
+              </a:solidFill>
+            </a:endParaRPr>
+          </a:p>
+        </p:txBody>
+      </p:sp>
+      <p:pic>
+        <p:nvPicPr>
+          <p:cNvPr id="7" name="Picture 6">
+            <a:extLst>
+              <a:ext uri="{FF2B5EF4-FFF2-40B4-BE49-F238E27FC236}">
+                <a16:creationId xmlns:a16="http://schemas.microsoft.com/office/drawing/2014/main" id="{B81C1A4D-7FF7-4726-93FA-BD5A62171540}"/>
+              </a:ext>
+            </a:extLst>
+          </p:cNvPr>
+          <p:cNvPicPr>
+            <a:picLocks noChangeAspect="1"/>
+          </p:cNvPicPr>
+          <p:nvPr/>
+        </p:nvPicPr>
+        <p:blipFill>
+          <a:blip r:embed="rId2">
+            <a:extLst>
+              <a:ext uri="{28A0092B-C50C-407E-A947-70E740481C1C}">
+                <a14:useLocalDpi xmlns:a14="http://schemas.microsoft.com/office/drawing/2010/main" val="0"/>
+              </a:ext>
+            </a:extLst>
+          </a:blip>
+          <a:srcRect/>
+          <a:stretch>
+            <a:fillRect/>
+          </a:stretch>
+        </p:blipFill>
+        <p:spPr bwMode="auto">
+          <a:xfrm>
+            <a:off x="2128720" y="1203263"/>
+            <a:ext cx="4733855" cy="3659062"/>
+          </a:xfrm>
+          <a:prstGeom prst="rect">
+            <a:avLst/>
+          </a:prstGeom>
+          <a:noFill/>
+          <a:ln>
+            <a:noFill/>
+          </a:ln>
+        </p:spPr>
+      </p:pic>
+    </p:spTree>
+    <p:extLst>
+      <p:ext uri="{BB962C8B-B14F-4D97-AF65-F5344CB8AC3E}">
+        <p14:creationId xmlns:p14="http://schemas.microsoft.com/office/powerpoint/2010/main" val="3759491381"/>
+      </p:ext>
+    </p:extLst>
+  </p:cSld>
+  <p:clrMapOvr>
+    <a:masterClrMapping/>
+  </p:clrMapOvr>
+</p:sld>
+</file>
+
+<file path=ppt/slides/slide11.xml><?xml version="1.0" encoding="utf-8"?>
+<p:sld xmlns:a="http://schemas.openxmlformats.org/drawingml/2006/main" xmlns:r="http://schemas.openxmlformats.org/officeDocument/2006/relationships" xmlns:p="http://schemas.openxmlformats.org/presentationml/2006/main">
+  <p:cSld>
+    <p:spTree>
+      <p:nvGrpSpPr>
+        <p:cNvPr id="1" name=""/>
+        <p:cNvGrpSpPr/>
+        <p:nvPr/>
+      </p:nvGrpSpPr>
+      <p:grpSpPr>
+        <a:xfrm>
+          <a:off x="0" y="0"/>
+          <a:ext cx="0" cy="0"/>
+          <a:chOff x="0" y="0"/>
+          <a:chExt cx="0" cy="0"/>
+        </a:xfrm>
+      </p:grpSpPr>
+      <p:sp>
+        <p:nvSpPr>
+          <p:cNvPr id="2" name="Title 1">
+            <a:extLst>
+              <a:ext uri="{FF2B5EF4-FFF2-40B4-BE49-F238E27FC236}">
                 <a16:creationId xmlns:a16="http://schemas.microsoft.com/office/drawing/2014/main" id="{3EE64FE3-2F24-4720-B6E3-C96F988066EE}"/>
               </a:ext>
             </a:extLst>
@@ -4311,147 +4426,6 @@
 </p:sld>
 </file>
 
-<file path=ppt/slides/slide11.xml><?xml version="1.0" encoding="utf-8"?>
-<p:sld xmlns:a="http://schemas.openxmlformats.org/drawingml/2006/main" xmlns:r="http://schemas.openxmlformats.org/officeDocument/2006/relationships" xmlns:p="http://schemas.openxmlformats.org/presentationml/2006/main">
-  <p:cSld>
-    <p:spTree>
-      <p:nvGrpSpPr>
-        <p:cNvPr id="1" name=""/>
-        <p:cNvGrpSpPr/>
-        <p:nvPr/>
-      </p:nvGrpSpPr>
-      <p:grpSpPr>
-        <a:xfrm>
-          <a:off x="0" y="0"/>
-          <a:ext cx="0" cy="0"/>
-          <a:chOff x="0" y="0"/>
-          <a:chExt cx="0" cy="0"/>
-        </a:xfrm>
-      </p:grpSpPr>
-      <p:sp>
-        <p:nvSpPr>
-          <p:cNvPr id="2" name="Title 1">
-            <a:extLst>
-              <a:ext uri="{FF2B5EF4-FFF2-40B4-BE49-F238E27FC236}">
-                <a16:creationId xmlns:a16="http://schemas.microsoft.com/office/drawing/2014/main" id="{35EA1193-C87A-448B-8159-815D02559BAA}"/>
-              </a:ext>
-            </a:extLst>
-          </p:cNvPr>
-          <p:cNvSpPr>
-            <a:spLocks noGrp="1"/>
-          </p:cNvSpPr>
-          <p:nvPr>
-            <p:ph type="title"/>
-          </p:nvPr>
-        </p:nvSpPr>
-        <p:spPr>
-          <a:xfrm>
-            <a:off x="448965" y="586585"/>
-            <a:ext cx="8246070" cy="763525"/>
-          </a:xfrm>
-        </p:spPr>
-        <p:txBody>
-          <a:bodyPr>
-            <a:noAutofit/>
-          </a:bodyPr>
-          <a:lstStyle/>
-          <a:p>
-            <a:r>
-              <a:rPr lang="en-IN" sz="3200" b="1" strike="noStrike" spc="-1" dirty="0">
-                <a:solidFill>
-                  <a:schemeClr val="tx2">
-                    <a:lumMod val="75000"/>
-                  </a:schemeClr>
-                </a:solidFill>
-                <a:latin typeface="Times New Roman" panose="02020603050405020304"/>
-              </a:rPr>
-              <a:t>FUTURE SCOPE</a:t>
-            </a:r>
-            <a:endParaRPr lang="en-IN" sz="3200" dirty="0">
-              <a:solidFill>
-                <a:schemeClr val="tx2">
-                  <a:lumMod val="75000"/>
-                </a:schemeClr>
-              </a:solidFill>
-            </a:endParaRPr>
-          </a:p>
-        </p:txBody>
-      </p:sp>
-      <p:sp>
-        <p:nvSpPr>
-          <p:cNvPr id="4" name="Content Placeholder 3">
-            <a:extLst>
-              <a:ext uri="{FF2B5EF4-FFF2-40B4-BE49-F238E27FC236}">
-                <a16:creationId xmlns:a16="http://schemas.microsoft.com/office/drawing/2014/main" id="{C7B84612-2AD2-4FFE-998F-AB52B021265F}"/>
-              </a:ext>
-            </a:extLst>
-          </p:cNvPr>
-          <p:cNvSpPr>
-            <a:spLocks noGrp="1"/>
-          </p:cNvSpPr>
-          <p:nvPr>
-            <p:ph sz="half" idx="2"/>
-          </p:nvPr>
-        </p:nvSpPr>
-        <p:spPr>
-          <a:xfrm>
-            <a:off x="508673" y="1655520"/>
-            <a:ext cx="7700041" cy="2290576"/>
-          </a:xfrm>
-        </p:spPr>
-        <p:txBody>
-          <a:bodyPr/>
-          <a:lstStyle/>
-          <a:p>
-            <a:pPr algn="l"/>
-            <a:r>
-              <a:rPr lang="en-IN" dirty="0"/>
-              <a:t>AI Chatbot can be implemented </a:t>
-            </a:r>
-          </a:p>
-          <a:p>
-            <a:pPr algn="l"/>
-            <a:r>
-              <a:rPr lang="en-IN" dirty="0"/>
-              <a:t>Voice Assistance</a:t>
-            </a:r>
-          </a:p>
-          <a:p>
-            <a:pPr algn="l"/>
-            <a:r>
-              <a:rPr lang="en-IN" dirty="0"/>
-              <a:t>UI improvements for fluid interaction</a:t>
-            </a:r>
-          </a:p>
-          <a:p>
-            <a:pPr algn="l"/>
-            <a:r>
-              <a:rPr lang="en-IN" dirty="0"/>
-              <a:t>Optimize System for Better Performance</a:t>
-            </a:r>
-          </a:p>
-          <a:p>
-            <a:pPr algn="l"/>
-            <a:r>
-              <a:rPr lang="en-IN" dirty="0"/>
-              <a:t>Desktop &amp; IOS Application implementation</a:t>
-            </a:r>
-          </a:p>
-        </p:txBody>
-      </p:sp>
-    </p:spTree>
-    <p:extLst>
-      <p:ext uri="{BB962C8B-B14F-4D97-AF65-F5344CB8AC3E}">
-        <p14:creationId xmlns:p14="http://schemas.microsoft.com/office/powerpoint/2010/main" val="1421654409"/>
-      </p:ext>
-    </p:extLst>
-  </p:cSld>
-  <p:clrMapOvr>
-    <a:masterClrMapping/>
-  </p:clrMapOvr>
-</p:sld>
-</file>
-
 <file path=ppt/slides/slide12.xml><?xml version="1.0" encoding="utf-8"?>
 <p:sld xmlns:a="http://schemas.openxmlformats.org/drawingml/2006/main" xmlns:r="http://schemas.openxmlformats.org/officeDocument/2006/relationships" xmlns:p="http://schemas.openxmlformats.org/presentationml/2006/main">
   <p:cSld>
@@ -4471,10 +4445,10 @@
       </p:grpSpPr>
       <p:sp>
         <p:nvSpPr>
-          <p:cNvPr id="4" name="Content Placeholder 3">
+          <p:cNvPr id="2" name="Title 1">
             <a:extLst>
               <a:ext uri="{FF2B5EF4-FFF2-40B4-BE49-F238E27FC236}">
-                <a16:creationId xmlns:a16="http://schemas.microsoft.com/office/drawing/2014/main" id="{C44C344D-03E4-4B1D-8E2A-919D3A0AF41C}"/>
+                <a16:creationId xmlns:a16="http://schemas.microsoft.com/office/drawing/2014/main" id="{35EA1193-C87A-448B-8159-815D02559BAA}"/>
               </a:ext>
             </a:extLst>
           </p:cNvPr>
@@ -4482,108 +4456,21 @@
             <a:spLocks noGrp="1"/>
           </p:cNvSpPr>
           <p:nvPr>
-            <p:ph sz="half" idx="2"/>
-          </p:nvPr>
-        </p:nvSpPr>
-        <p:spPr>
-          <a:xfrm>
-            <a:off x="541714" y="1517097"/>
-            <a:ext cx="4040188" cy="2276294"/>
-          </a:xfrm>
-        </p:spPr>
-        <p:txBody>
-          <a:bodyPr>
-            <a:normAutofit/>
-          </a:bodyPr>
-          <a:lstStyle/>
-          <a:p>
-            <a:pPr algn="l"/>
-            <a:r>
-              <a:rPr lang="en-US" dirty="0"/>
-              <a:t>Android Studio</a:t>
-            </a:r>
-          </a:p>
-          <a:p>
-            <a:pPr algn="l"/>
-            <a:r>
-              <a:rPr lang="en-US" dirty="0"/>
-              <a:t>Java</a:t>
-            </a:r>
-          </a:p>
-          <a:p>
-            <a:pPr algn="l"/>
-            <a:r>
-              <a:rPr lang="en-US" dirty="0"/>
-              <a:t>Php</a:t>
-            </a:r>
-          </a:p>
-          <a:p>
-            <a:pPr algn="l"/>
-            <a:r>
-              <a:rPr lang="en-US" dirty="0"/>
-              <a:t>MySQL</a:t>
-            </a:r>
-          </a:p>
-          <a:p>
-            <a:pPr algn="l"/>
-            <a:r>
-              <a:rPr lang="en-US" dirty="0"/>
-              <a:t>Adobe </a:t>
-            </a:r>
-            <a:r>
-              <a:rPr lang="en-IN" dirty="0"/>
-              <a:t>Creative Cloud </a:t>
-            </a:r>
-            <a:endParaRPr lang="en-US" dirty="0"/>
-          </a:p>
-        </p:txBody>
-      </p:sp>
-      <p:sp>
-        <p:nvSpPr>
-          <p:cNvPr id="6" name="Title 1">
-            <a:extLst>
-              <a:ext uri="{FF2B5EF4-FFF2-40B4-BE49-F238E27FC236}">
-                <a16:creationId xmlns:a16="http://schemas.microsoft.com/office/drawing/2014/main" id="{ED701AD7-B65E-4CEB-AE9D-CDF39B3BE09A}"/>
-              </a:ext>
-            </a:extLst>
-          </p:cNvPr>
-          <p:cNvSpPr>
-            <a:spLocks noGrp="1"/>
-          </p:cNvSpPr>
-          <p:nvPr>
             <p:ph type="title"/>
           </p:nvPr>
         </p:nvSpPr>
         <p:spPr>
           <a:xfrm>
             <a:off x="448965" y="586585"/>
-            <a:ext cx="8398775" cy="763525"/>
+            <a:ext cx="8246070" cy="763525"/>
           </a:xfrm>
         </p:spPr>
         <p:txBody>
           <a:bodyPr>
-            <a:normAutofit/>
+            <a:noAutofit/>
           </a:bodyPr>
           <a:lstStyle/>
           <a:p>
-            <a:r>
-              <a:rPr lang="en-IN" sz="3200" b="1" kern="1200" spc="-1" baseline="0" dirty="0">
-                <a:solidFill>
-                  <a:srgbClr val="17375E"/>
-                </a:solidFill>
-                <a:effectLst>
-                  <a:outerShdw blurRad="50800" dist="38100" dir="2700000" algn="tl" rotWithShape="0">
-                    <a:srgbClr val="000000">
-                      <a:alpha val="40000"/>
-                    </a:srgbClr>
-                  </a:outerShdw>
-                </a:effectLst>
-                <a:latin typeface="Times New Roman" panose="02020603050405020304" pitchFamily="18" charset="0"/>
-                <a:ea typeface="+mj-ea"/>
-                <a:cs typeface="+mj-cs"/>
-              </a:rPr>
-              <a:t>TECHNOLOGIES USED</a:t>
-            </a:r>
             <a:r>
               <a:rPr lang="en-IN" sz="3200" b="1" strike="noStrike" spc="-1" dirty="0">
                 <a:solidFill>
@@ -4593,7 +4480,7 @@
                 </a:solidFill>
                 <a:latin typeface="Times New Roman" panose="02020603050405020304"/>
               </a:rPr>
-              <a:t> </a:t>
+              <a:t>FUTURE SCOPE</a:t>
             </a:r>
             <a:endParaRPr lang="en-IN" sz="3200" dirty="0">
               <a:solidFill>
@@ -4605,10 +4492,72 @@
           </a:p>
         </p:txBody>
       </p:sp>
+      <p:sp>
+        <p:nvSpPr>
+          <p:cNvPr id="4" name="Content Placeholder 3">
+            <a:extLst>
+              <a:ext uri="{FF2B5EF4-FFF2-40B4-BE49-F238E27FC236}">
+                <a16:creationId xmlns:a16="http://schemas.microsoft.com/office/drawing/2014/main" id="{C7B84612-2AD2-4FFE-998F-AB52B021265F}"/>
+              </a:ext>
+            </a:extLst>
+          </p:cNvPr>
+          <p:cNvSpPr>
+            <a:spLocks noGrp="1"/>
+          </p:cNvSpPr>
+          <p:nvPr>
+            <p:ph sz="half" idx="2"/>
+          </p:nvPr>
+        </p:nvSpPr>
+        <p:spPr>
+          <a:xfrm>
+            <a:off x="508673" y="1655520"/>
+            <a:ext cx="7700041" cy="2290576"/>
+          </a:xfrm>
+        </p:spPr>
+        <p:txBody>
+          <a:bodyPr/>
+          <a:lstStyle/>
+          <a:p>
+            <a:pPr algn="l"/>
+            <a:r>
+              <a:rPr lang="en-IN" dirty="0"/>
+              <a:t>AI Chatbot can be implemented </a:t>
+            </a:r>
+          </a:p>
+          <a:p>
+            <a:pPr algn="l"/>
+            <a:r>
+              <a:rPr lang="en-IN" dirty="0"/>
+              <a:t>Voice Assistance</a:t>
+            </a:r>
+          </a:p>
+          <a:p>
+            <a:pPr algn="l"/>
+            <a:r>
+              <a:rPr lang="en-IN" dirty="0"/>
+              <a:t>UI improvements for fluid interaction</a:t>
+            </a:r>
+          </a:p>
+          <a:p>
+            <a:pPr algn="l"/>
+            <a:r>
+              <a:rPr lang="en-IN" dirty="0"/>
+              <a:t>Optimize System for Better Performance</a:t>
+            </a:r>
+          </a:p>
+          <a:p>
+            <a:pPr algn="l"/>
+            <a:r>
+              <a:rPr lang="en-IN" dirty="0"/>
+              <a:t>Desktop &amp; IOS Application implementation</a:t>
+            </a:r>
+          </a:p>
+        </p:txBody>
+      </p:sp>
     </p:spTree>
     <p:extLst>
       <p:ext uri="{BB962C8B-B14F-4D97-AF65-F5344CB8AC3E}">
-        <p14:creationId xmlns:p14="http://schemas.microsoft.com/office/powerpoint/2010/main" val="821193931"/>
+        <p14:creationId xmlns:p14="http://schemas.microsoft.com/office/powerpoint/2010/main" val="1421654409"/>
       </p:ext>
     </p:extLst>
   </p:cSld>
@@ -5249,7 +5198,19 @@
               <a:rPr lang="en-US" sz="1800" b="0" i="0" u="none" strike="noStrike" baseline="0" dirty="0">
                 <a:latin typeface="CIDFont+F5"/>
               </a:rPr>
-              <a:t>This project is intended for students and parents who are currently having dilemmas about carrier and future scope for choosing a particular stream based on their </a:t>
+              <a:t>This project is intended for students and parents who are currently having dilemmas </a:t>
+            </a:r>
+            <a:r>
+              <a:rPr lang="en-US" sz="1800" b="0" i="0" u="none" strike="noStrike" baseline="0">
+                <a:latin typeface="CIDFont+F5"/>
+              </a:rPr>
+              <a:t>about career </a:t>
+            </a:r>
+            <a:r>
+              <a:rPr lang="en-US" sz="1800" b="0" i="0" u="none" strike="noStrike" baseline="0" dirty="0">
+                <a:latin typeface="CIDFont+F5"/>
+              </a:rPr>
+              <a:t>and future scope for choosing a particular stream based on their </a:t>
             </a:r>
             <a:r>
               <a:rPr lang="en-IN" sz="1800" b="0" i="0" u="none" strike="noStrike" baseline="0" dirty="0">
@@ -5436,6 +5397,172 @@
 </file>
 
 <file path=ppt/slides/slide5.xml><?xml version="1.0" encoding="utf-8"?>
+<p:sld xmlns:a="http://schemas.openxmlformats.org/drawingml/2006/main" xmlns:r="http://schemas.openxmlformats.org/officeDocument/2006/relationships" xmlns:p="http://schemas.openxmlformats.org/presentationml/2006/main">
+  <p:cSld>
+    <p:spTree>
+      <p:nvGrpSpPr>
+        <p:cNvPr id="1" name=""/>
+        <p:cNvGrpSpPr/>
+        <p:nvPr/>
+      </p:nvGrpSpPr>
+      <p:grpSpPr>
+        <a:xfrm>
+          <a:off x="0" y="0"/>
+          <a:ext cx="0" cy="0"/>
+          <a:chOff x="0" y="0"/>
+          <a:chExt cx="0" cy="0"/>
+        </a:xfrm>
+      </p:grpSpPr>
+      <p:sp>
+        <p:nvSpPr>
+          <p:cNvPr id="4" name="Content Placeholder 3">
+            <a:extLst>
+              <a:ext uri="{FF2B5EF4-FFF2-40B4-BE49-F238E27FC236}">
+                <a16:creationId xmlns:a16="http://schemas.microsoft.com/office/drawing/2014/main" id="{C44C344D-03E4-4B1D-8E2A-919D3A0AF41C}"/>
+              </a:ext>
+            </a:extLst>
+          </p:cNvPr>
+          <p:cNvSpPr>
+            <a:spLocks noGrp="1"/>
+          </p:cNvSpPr>
+          <p:nvPr>
+            <p:ph sz="half" idx="2"/>
+          </p:nvPr>
+        </p:nvSpPr>
+        <p:spPr>
+          <a:xfrm>
+            <a:off x="541714" y="1517097"/>
+            <a:ext cx="4040188" cy="2276294"/>
+          </a:xfrm>
+        </p:spPr>
+        <p:txBody>
+          <a:bodyPr>
+            <a:normAutofit/>
+          </a:bodyPr>
+          <a:lstStyle/>
+          <a:p>
+            <a:pPr algn="l"/>
+            <a:r>
+              <a:rPr lang="en-US" dirty="0"/>
+              <a:t>Android Studio</a:t>
+            </a:r>
+          </a:p>
+          <a:p>
+            <a:pPr algn="l"/>
+            <a:r>
+              <a:rPr lang="en-US" dirty="0"/>
+              <a:t>Java</a:t>
+            </a:r>
+          </a:p>
+          <a:p>
+            <a:pPr algn="l"/>
+            <a:r>
+              <a:rPr lang="en-US" dirty="0"/>
+              <a:t>Php</a:t>
+            </a:r>
+          </a:p>
+          <a:p>
+            <a:pPr algn="l"/>
+            <a:r>
+              <a:rPr lang="en-US" dirty="0"/>
+              <a:t>MySQL</a:t>
+            </a:r>
+          </a:p>
+          <a:p>
+            <a:pPr algn="l"/>
+            <a:r>
+              <a:rPr lang="en-US" dirty="0"/>
+              <a:t>Adobe </a:t>
+            </a:r>
+            <a:r>
+              <a:rPr lang="en-IN" dirty="0"/>
+              <a:t>Creative Cloud </a:t>
+            </a:r>
+            <a:endParaRPr lang="en-US" dirty="0"/>
+          </a:p>
+        </p:txBody>
+      </p:sp>
+      <p:sp>
+        <p:nvSpPr>
+          <p:cNvPr id="6" name="Title 1">
+            <a:extLst>
+              <a:ext uri="{FF2B5EF4-FFF2-40B4-BE49-F238E27FC236}">
+                <a16:creationId xmlns:a16="http://schemas.microsoft.com/office/drawing/2014/main" id="{ED701AD7-B65E-4CEB-AE9D-CDF39B3BE09A}"/>
+              </a:ext>
+            </a:extLst>
+          </p:cNvPr>
+          <p:cNvSpPr>
+            <a:spLocks noGrp="1"/>
+          </p:cNvSpPr>
+          <p:nvPr>
+            <p:ph type="title"/>
+          </p:nvPr>
+        </p:nvSpPr>
+        <p:spPr>
+          <a:xfrm>
+            <a:off x="448965" y="586585"/>
+            <a:ext cx="8398775" cy="763525"/>
+          </a:xfrm>
+        </p:spPr>
+        <p:txBody>
+          <a:bodyPr>
+            <a:normAutofit/>
+          </a:bodyPr>
+          <a:lstStyle/>
+          <a:p>
+            <a:r>
+              <a:rPr lang="en-IN" sz="3200" b="1" kern="1200" spc="-1" baseline="0" dirty="0">
+                <a:solidFill>
+                  <a:srgbClr val="17375E"/>
+                </a:solidFill>
+                <a:effectLst>
+                  <a:outerShdw blurRad="50800" dist="38100" dir="2700000" algn="tl" rotWithShape="0">
+                    <a:srgbClr val="000000">
+                      <a:alpha val="40000"/>
+                    </a:srgbClr>
+                  </a:outerShdw>
+                </a:effectLst>
+                <a:latin typeface="Times New Roman" panose="02020603050405020304" pitchFamily="18" charset="0"/>
+                <a:ea typeface="+mj-ea"/>
+                <a:cs typeface="+mj-cs"/>
+              </a:rPr>
+              <a:t>TECHNOLOGIES USED</a:t>
+            </a:r>
+            <a:r>
+              <a:rPr lang="en-IN" sz="3200" b="1" strike="noStrike" spc="-1" dirty="0">
+                <a:solidFill>
+                  <a:schemeClr val="tx2">
+                    <a:lumMod val="75000"/>
+                  </a:schemeClr>
+                </a:solidFill>
+                <a:latin typeface="Times New Roman" panose="02020603050405020304"/>
+              </a:rPr>
+              <a:t> </a:t>
+            </a:r>
+            <a:endParaRPr lang="en-IN" sz="3200" dirty="0">
+              <a:solidFill>
+                <a:schemeClr val="tx2">
+                  <a:lumMod val="75000"/>
+                </a:schemeClr>
+              </a:solidFill>
+            </a:endParaRPr>
+          </a:p>
+        </p:txBody>
+      </p:sp>
+    </p:spTree>
+    <p:extLst>
+      <p:ext uri="{BB962C8B-B14F-4D97-AF65-F5344CB8AC3E}">
+        <p14:creationId xmlns:p14="http://schemas.microsoft.com/office/powerpoint/2010/main" val="821193931"/>
+      </p:ext>
+    </p:extLst>
+  </p:cSld>
+  <p:clrMapOvr>
+    <a:masterClrMapping/>
+  </p:clrMapOvr>
+</p:sld>
+</file>
+
+<file path=ppt/slides/slide6.xml><?xml version="1.0" encoding="utf-8"?>
 <p:sld xmlns:a="http://schemas.openxmlformats.org/drawingml/2006/main" xmlns:r="http://schemas.openxmlformats.org/officeDocument/2006/relationships" xmlns:p="http://schemas.openxmlformats.org/presentationml/2006/main">
   <p:cSld>
     <p:spTree>
@@ -5548,7 +5675,7 @@
 </p:sld>
 </file>
 
-<file path=ppt/slides/slide6.xml><?xml version="1.0" encoding="utf-8"?>
+<file path=ppt/slides/slide7.xml><?xml version="1.0" encoding="utf-8"?>
 <p:sld xmlns:a="http://schemas.openxmlformats.org/drawingml/2006/main" xmlns:r="http://schemas.openxmlformats.org/officeDocument/2006/relationships" xmlns:p="http://schemas.openxmlformats.org/presentationml/2006/main">
   <p:cSld>
     <p:spTree>
@@ -5663,7 +5790,7 @@
 </p:sld>
 </file>
 
-<file path=ppt/slides/slide7.xml><?xml version="1.0" encoding="utf-8"?>
+<file path=ppt/slides/slide8.xml><?xml version="1.0" encoding="utf-8"?>
 <p:sld xmlns:a="http://schemas.openxmlformats.org/drawingml/2006/main" xmlns:r="http://schemas.openxmlformats.org/officeDocument/2006/relationships" xmlns:p="http://schemas.openxmlformats.org/presentationml/2006/main">
   <p:cSld>
     <p:spTree>
@@ -5777,7 +5904,7 @@
 </p:sld>
 </file>
 
-<file path=ppt/slides/slide8.xml><?xml version="1.0" encoding="utf-8"?>
+<file path=ppt/slides/slide9.xml><?xml version="1.0" encoding="utf-8"?>
 <p:sld xmlns:a="http://schemas.openxmlformats.org/drawingml/2006/main" xmlns:r="http://schemas.openxmlformats.org/officeDocument/2006/relationships" xmlns:p="http://schemas.openxmlformats.org/presentationml/2006/main">
   <p:cSld>
     <p:spTree>
@@ -5877,121 +6004,6 @@
     <p:extLst>
       <p:ext uri="{BB962C8B-B14F-4D97-AF65-F5344CB8AC3E}">
         <p14:creationId xmlns:p14="http://schemas.microsoft.com/office/powerpoint/2010/main" val="619710173"/>
-      </p:ext>
-    </p:extLst>
-  </p:cSld>
-  <p:clrMapOvr>
-    <a:masterClrMapping/>
-  </p:clrMapOvr>
-</p:sld>
-</file>
-
-<file path=ppt/slides/slide9.xml><?xml version="1.0" encoding="utf-8"?>
-<p:sld xmlns:a="http://schemas.openxmlformats.org/drawingml/2006/main" xmlns:r="http://schemas.openxmlformats.org/officeDocument/2006/relationships" xmlns:p="http://schemas.openxmlformats.org/presentationml/2006/main">
-  <p:cSld>
-    <p:spTree>
-      <p:nvGrpSpPr>
-        <p:cNvPr id="1" name=""/>
-        <p:cNvGrpSpPr/>
-        <p:nvPr/>
-      </p:nvGrpSpPr>
-      <p:grpSpPr>
-        <a:xfrm>
-          <a:off x="0" y="0"/>
-          <a:ext cx="0" cy="0"/>
-          <a:chOff x="0" y="0"/>
-          <a:chExt cx="0" cy="0"/>
-        </a:xfrm>
-      </p:grpSpPr>
-      <p:sp>
-        <p:nvSpPr>
-          <p:cNvPr id="2" name="Title 1">
-            <a:extLst>
-              <a:ext uri="{FF2B5EF4-FFF2-40B4-BE49-F238E27FC236}">
-                <a16:creationId xmlns:a16="http://schemas.microsoft.com/office/drawing/2014/main" id="{E6FDC5C7-DCBE-42F9-A1B7-970E02A6C935}"/>
-              </a:ext>
-            </a:extLst>
-          </p:cNvPr>
-          <p:cNvSpPr>
-            <a:spLocks noGrp="1"/>
-          </p:cNvSpPr>
-          <p:nvPr>
-            <p:ph type="title"/>
-          </p:nvPr>
-        </p:nvSpPr>
-        <p:spPr/>
-        <p:txBody>
-          <a:bodyPr>
-            <a:noAutofit/>
-          </a:bodyPr>
-          <a:lstStyle/>
-          <a:p>
-            <a:r>
-              <a:rPr lang="en-IN" sz="3200" b="1" strike="noStrike" spc="-1" dirty="0">
-                <a:solidFill>
-                  <a:schemeClr val="tx2">
-                    <a:lumMod val="75000"/>
-                  </a:schemeClr>
-                </a:solidFill>
-                <a:latin typeface="Times New Roman" panose="02020603050405020304"/>
-              </a:rPr>
-              <a:t>SEQUENCE DIAGRAM</a:t>
-            </a:r>
-            <a:endParaRPr lang="en-IN" sz="3200" dirty="0">
-              <a:solidFill>
-                <a:schemeClr val="tx2">
-                  <a:lumMod val="75000"/>
-                </a:schemeClr>
-              </a:solidFill>
-            </a:endParaRPr>
-          </a:p>
-        </p:txBody>
-      </p:sp>
-      <p:pic>
-        <p:nvPicPr>
-          <p:cNvPr id="7" name="Picture 6">
-            <a:extLst>
-              <a:ext uri="{FF2B5EF4-FFF2-40B4-BE49-F238E27FC236}">
-                <a16:creationId xmlns:a16="http://schemas.microsoft.com/office/drawing/2014/main" id="{B81C1A4D-7FF7-4726-93FA-BD5A62171540}"/>
-              </a:ext>
-            </a:extLst>
-          </p:cNvPr>
-          <p:cNvPicPr>
-            <a:picLocks noChangeAspect="1"/>
-          </p:cNvPicPr>
-          <p:nvPr/>
-        </p:nvPicPr>
-        <p:blipFill>
-          <a:blip r:embed="rId2">
-            <a:extLst>
-              <a:ext uri="{28A0092B-C50C-407E-A947-70E740481C1C}">
-                <a14:useLocalDpi xmlns:a14="http://schemas.microsoft.com/office/drawing/2010/main" val="0"/>
-              </a:ext>
-            </a:extLst>
-          </a:blip>
-          <a:srcRect/>
-          <a:stretch>
-            <a:fillRect/>
-          </a:stretch>
-        </p:blipFill>
-        <p:spPr bwMode="auto">
-          <a:xfrm>
-            <a:off x="2128720" y="1203263"/>
-            <a:ext cx="4733855" cy="3659062"/>
-          </a:xfrm>
-          <a:prstGeom prst="rect">
-            <a:avLst/>
-          </a:prstGeom>
-          <a:noFill/>
-          <a:ln>
-            <a:noFill/>
-          </a:ln>
-        </p:spPr>
-      </p:pic>
-    </p:spTree>
-    <p:extLst>
-      <p:ext uri="{BB962C8B-B14F-4D97-AF65-F5344CB8AC3E}">
-        <p14:creationId xmlns:p14="http://schemas.microsoft.com/office/powerpoint/2010/main" val="3759491381"/>
       </p:ext>
     </p:extLst>
   </p:cSld>
